--- a/Wine Quality Analysis.pptx
+++ b/Wine Quality Analysis.pptx
@@ -10,11 +10,11 @@
   <p:sldIdLst>
     <p:sldId id="256" r:id="rId2"/>
     <p:sldId id="257" r:id="rId3"/>
-    <p:sldId id="258" r:id="rId4"/>
-    <p:sldId id="259" r:id="rId5"/>
-    <p:sldId id="260" r:id="rId6"/>
-    <p:sldId id="261" r:id="rId7"/>
-    <p:sldId id="262" r:id="rId8"/>
+    <p:sldId id="262" r:id="rId4"/>
+    <p:sldId id="258" r:id="rId5"/>
+    <p:sldId id="259" r:id="rId6"/>
+    <p:sldId id="260" r:id="rId7"/>
+    <p:sldId id="261" r:id="rId8"/>
     <p:sldId id="263" r:id="rId9"/>
   </p:sldIdLst>
   <p:sldSz cx="9144000" cy="5143500" type="screen16x9"/>
@@ -850,7 +850,7 @@
         </p:nvSpPr>
         <p:spPr>
           <a:xfrm>
-            <a:off x="381300" y="685800"/>
+            <a:off x="381000" y="685800"/>
             <a:ext cx="6096000" cy="3429000"/>
           </a:xfrm>
           <a:custGeom>
@@ -926,6 +926,110 @@
 </file>
 
 <file path=ppt/notesSlides/notesSlide3.xml><?xml version="1.0" encoding="utf-8"?>
+<p:notes xmlns:a="http://schemas.openxmlformats.org/drawingml/2006/main" xmlns:r="http://schemas.openxmlformats.org/officeDocument/2006/relationships" xmlns:p="http://schemas.openxmlformats.org/presentationml/2006/main" showMasterSp="0" showMasterPhAnim="0">
+  <p:cSld>
+    <p:spTree>
+      <p:nvGrpSpPr>
+        <p:cNvPr id="1" name="Shape 89"/>
+        <p:cNvGrpSpPr/>
+        <p:nvPr/>
+      </p:nvGrpSpPr>
+      <p:grpSpPr>
+        <a:xfrm>
+          <a:off x="0" y="0"/>
+          <a:ext cx="0" cy="0"/>
+          <a:chOff x="0" y="0"/>
+          <a:chExt cx="0" cy="0"/>
+        </a:xfrm>
+      </p:grpSpPr>
+      <p:sp>
+        <p:nvSpPr>
+          <p:cNvPr id="90" name="Google Shape;90;g10d1865704b_0_22:notes"/>
+          <p:cNvSpPr>
+            <a:spLocks noGrp="1" noRot="1" noChangeAspect="1"/>
+          </p:cNvSpPr>
+          <p:nvPr>
+            <p:ph type="sldImg" idx="2"/>
+          </p:nvPr>
+        </p:nvSpPr>
+        <p:spPr>
+          <a:xfrm>
+            <a:off x="381000" y="685800"/>
+            <a:ext cx="6096000" cy="3429000"/>
+          </a:xfrm>
+          <a:custGeom>
+            <a:avLst/>
+            <a:gdLst/>
+            <a:ahLst/>
+            <a:cxnLst/>
+            <a:rect l="l" t="t" r="r" b="b"/>
+            <a:pathLst>
+              <a:path w="120000" h="120000" extrusionOk="0">
+                <a:moveTo>
+                  <a:pt x="0" y="0"/>
+                </a:moveTo>
+                <a:lnTo>
+                  <a:pt x="120000" y="0"/>
+                </a:lnTo>
+                <a:lnTo>
+                  <a:pt x="120000" y="120000"/>
+                </a:lnTo>
+                <a:lnTo>
+                  <a:pt x="0" y="120000"/>
+                </a:lnTo>
+                <a:close/>
+              </a:path>
+            </a:pathLst>
+          </a:custGeom>
+        </p:spPr>
+      </p:sp>
+      <p:sp>
+        <p:nvSpPr>
+          <p:cNvPr id="91" name="Google Shape;91;g10d1865704b_0_22:notes"/>
+          <p:cNvSpPr txBox="1">
+            <a:spLocks noGrp="1"/>
+          </p:cNvSpPr>
+          <p:nvPr>
+            <p:ph type="body" idx="1"/>
+          </p:nvPr>
+        </p:nvSpPr>
+        <p:spPr>
+          <a:xfrm>
+            <a:off x="685800" y="4343400"/>
+            <a:ext cx="5486400" cy="4114800"/>
+          </a:xfrm>
+          <a:prstGeom prst="rect">
+            <a:avLst/>
+          </a:prstGeom>
+        </p:spPr>
+        <p:txBody>
+          <a:bodyPr spcFirstLastPara="1" wrap="square" lIns="91425" tIns="91425" rIns="91425" bIns="91425" anchor="t" anchorCtr="0">
+            <a:noAutofit/>
+          </a:bodyPr>
+          <a:lstStyle/>
+          <a:p>
+            <a:pPr marL="0" lvl="0" indent="0" algn="l" rtl="0">
+              <a:spcBef>
+                <a:spcPts val="0"/>
+              </a:spcBef>
+              <a:spcAft>
+                <a:spcPts val="0"/>
+              </a:spcAft>
+              <a:buNone/>
+            </a:pPr>
+            <a:endParaRPr/>
+          </a:p>
+        </p:txBody>
+      </p:sp>
+    </p:spTree>
+  </p:cSld>
+  <p:clrMapOvr>
+    <a:masterClrMapping/>
+  </p:clrMapOvr>
+</p:notes>
+</file>
+
+<file path=ppt/notesSlides/notesSlide4.xml><?xml version="1.0" encoding="utf-8"?>
 <p:notes xmlns:a="http://schemas.openxmlformats.org/drawingml/2006/main" xmlns:r="http://schemas.openxmlformats.org/officeDocument/2006/relationships" xmlns:p="http://schemas.openxmlformats.org/presentationml/2006/main" showMasterSp="0" showMasterPhAnim="0">
   <p:cSld>
     <p:spTree>
@@ -1029,7 +1133,7 @@
 </p:notes>
 </file>
 
-<file path=ppt/notesSlides/notesSlide4.xml><?xml version="1.0" encoding="utf-8"?>
+<file path=ppt/notesSlides/notesSlide5.xml><?xml version="1.0" encoding="utf-8"?>
 <p:notes xmlns:a="http://schemas.openxmlformats.org/drawingml/2006/main" xmlns:r="http://schemas.openxmlformats.org/officeDocument/2006/relationships" xmlns:p="http://schemas.openxmlformats.org/presentationml/2006/main" showMasterSp="0" showMasterPhAnim="0">
   <p:cSld>
     <p:spTree>
@@ -1133,7 +1237,7 @@
 </p:notes>
 </file>
 
-<file path=ppt/notesSlides/notesSlide5.xml><?xml version="1.0" encoding="utf-8"?>
+<file path=ppt/notesSlides/notesSlide6.xml><?xml version="1.0" encoding="utf-8"?>
 <p:notes xmlns:a="http://schemas.openxmlformats.org/drawingml/2006/main" xmlns:r="http://schemas.openxmlformats.org/officeDocument/2006/relationships" xmlns:p="http://schemas.openxmlformats.org/presentationml/2006/main" showMasterSp="0" showMasterPhAnim="0">
   <p:cSld>
     <p:spTree>
@@ -1248,7 +1352,7 @@
 </p:notes>
 </file>
 
-<file path=ppt/notesSlides/notesSlide6.xml><?xml version="1.0" encoding="utf-8"?>
+<file path=ppt/notesSlides/notesSlide7.xml><?xml version="1.0" encoding="utf-8"?>
 <p:notes xmlns:a="http://schemas.openxmlformats.org/drawingml/2006/main" xmlns:r="http://schemas.openxmlformats.org/officeDocument/2006/relationships" xmlns:p="http://schemas.openxmlformats.org/presentationml/2006/main" showMasterSp="0" showMasterPhAnim="0">
   <p:cSld>
     <p:spTree>
@@ -1277,7 +1381,7 @@
         </p:nvSpPr>
         <p:spPr>
           <a:xfrm>
-            <a:off x="381300" y="685800"/>
+            <a:off x="381000" y="685800"/>
             <a:ext cx="6096000" cy="3429000"/>
           </a:xfrm>
           <a:custGeom>
@@ -1352,110 +1456,6 @@
               <a:t>https://towardsdatascience.com/what-makes-a-wine-good-ea370601a8e4</a:t>
             </a:r>
             <a:endParaRPr sz="400"/>
-          </a:p>
-        </p:txBody>
-      </p:sp>
-    </p:spTree>
-  </p:cSld>
-  <p:clrMapOvr>
-    <a:masterClrMapping/>
-  </p:clrMapOvr>
-</p:notes>
-</file>
-
-<file path=ppt/notesSlides/notesSlide7.xml><?xml version="1.0" encoding="utf-8"?>
-<p:notes xmlns:a="http://schemas.openxmlformats.org/drawingml/2006/main" xmlns:r="http://schemas.openxmlformats.org/officeDocument/2006/relationships" xmlns:p="http://schemas.openxmlformats.org/presentationml/2006/main" showMasterSp="0" showMasterPhAnim="0">
-  <p:cSld>
-    <p:spTree>
-      <p:nvGrpSpPr>
-        <p:cNvPr id="1" name="Shape 89"/>
-        <p:cNvGrpSpPr/>
-        <p:nvPr/>
-      </p:nvGrpSpPr>
-      <p:grpSpPr>
-        <a:xfrm>
-          <a:off x="0" y="0"/>
-          <a:ext cx="0" cy="0"/>
-          <a:chOff x="0" y="0"/>
-          <a:chExt cx="0" cy="0"/>
-        </a:xfrm>
-      </p:grpSpPr>
-      <p:sp>
-        <p:nvSpPr>
-          <p:cNvPr id="90" name="Google Shape;90;g10d1865704b_0_22:notes"/>
-          <p:cNvSpPr>
-            <a:spLocks noGrp="1" noRot="1" noChangeAspect="1"/>
-          </p:cNvSpPr>
-          <p:nvPr>
-            <p:ph type="sldImg" idx="2"/>
-          </p:nvPr>
-        </p:nvSpPr>
-        <p:spPr>
-          <a:xfrm>
-            <a:off x="381300" y="685800"/>
-            <a:ext cx="6096000" cy="3429000"/>
-          </a:xfrm>
-          <a:custGeom>
-            <a:avLst/>
-            <a:gdLst/>
-            <a:ahLst/>
-            <a:cxnLst/>
-            <a:rect l="l" t="t" r="r" b="b"/>
-            <a:pathLst>
-              <a:path w="120000" h="120000" extrusionOk="0">
-                <a:moveTo>
-                  <a:pt x="0" y="0"/>
-                </a:moveTo>
-                <a:lnTo>
-                  <a:pt x="120000" y="0"/>
-                </a:lnTo>
-                <a:lnTo>
-                  <a:pt x="120000" y="120000"/>
-                </a:lnTo>
-                <a:lnTo>
-                  <a:pt x="0" y="120000"/>
-                </a:lnTo>
-                <a:close/>
-              </a:path>
-            </a:pathLst>
-          </a:custGeom>
-        </p:spPr>
-      </p:sp>
-      <p:sp>
-        <p:nvSpPr>
-          <p:cNvPr id="91" name="Google Shape;91;g10d1865704b_0_22:notes"/>
-          <p:cNvSpPr txBox="1">
-            <a:spLocks noGrp="1"/>
-          </p:cNvSpPr>
-          <p:nvPr>
-            <p:ph type="body" idx="1"/>
-          </p:nvPr>
-        </p:nvSpPr>
-        <p:spPr>
-          <a:xfrm>
-            <a:off x="685800" y="4343400"/>
-            <a:ext cx="5486400" cy="4114800"/>
-          </a:xfrm>
-          <a:prstGeom prst="rect">
-            <a:avLst/>
-          </a:prstGeom>
-        </p:spPr>
-        <p:txBody>
-          <a:bodyPr spcFirstLastPara="1" wrap="square" lIns="91425" tIns="91425" rIns="91425" bIns="91425" anchor="t" anchorCtr="0">
-            <a:noAutofit/>
-          </a:bodyPr>
-          <a:lstStyle/>
-          <a:p>
-            <a:pPr marL="0" lvl="0" indent="0" algn="l" rtl="0">
-              <a:spcBef>
-                <a:spcPts val="0"/>
-              </a:spcBef>
-              <a:spcAft>
-                <a:spcPts val="0"/>
-              </a:spcAft>
-              <a:buNone/>
-            </a:pPr>
-            <a:endParaRPr/>
           </a:p>
         </p:txBody>
       </p:sp>
@@ -6603,7 +6603,7 @@
         </p:spPr>
         <p:txBody>
           <a:bodyPr spcFirstLastPara="1" wrap="square" lIns="91425" tIns="91425" rIns="91425" bIns="91425" anchor="t" anchorCtr="0">
-            <a:normAutofit fontScale="70000" lnSpcReduction="10000"/>
+            <a:normAutofit fontScale="70000" lnSpcReduction="20000"/>
           </a:bodyPr>
           <a:lstStyle/>
           <a:p>
@@ -6625,14 +6625,14 @@
               <a:buNone/>
             </a:pPr>
             <a:r>
-              <a:rPr lang="en" sz="1900" b="1">
+              <a:rPr lang="en" sz="1900" b="1" dirty="0">
                 <a:solidFill>
                   <a:srgbClr val="24292F"/>
                 </a:solidFill>
               </a:rPr>
               <a:t>Why we picked this topic:</a:t>
             </a:r>
-            <a:endParaRPr sz="1900" b="1">
+            <a:endParaRPr sz="1900" b="1" dirty="0">
               <a:solidFill>
                 <a:srgbClr val="24292F"/>
               </a:solidFill>
@@ -6654,26 +6654,18 @@
               <a:buNone/>
             </a:pPr>
             <a:r>
-              <a:rPr lang="en" sz="1900">
+              <a:rPr lang="en" sz="1900" dirty="0">
                 <a:solidFill>
                   <a:srgbClr val="24292F"/>
                 </a:solidFill>
               </a:rPr>
               <a:t>As a team, we were all interested in learning more about the attributes that determine the quality of wine. Different characteristics of wines can be influenced by the environment, region and soils wine grapes are grown in. We would like to isolate which variables are associated to high and low quality wines. A machine learning model will be composed to ingest the 11 characteristics to provide a quality score.</a:t>
             </a:r>
-            <a:endParaRPr sz="1900">
-              <a:solidFill>
-                <a:srgbClr val="24292F"/>
-              </a:solidFill>
-            </a:endParaRPr>
-          </a:p>
-          <a:p>
-            <a:pPr marL="0" marR="38100" lvl="0" indent="190500" algn="l" rtl="0">
-              <a:lnSpc>
-                <a:spcPct val="100000"/>
-              </a:lnSpc>
-              <a:spcBef>
-                <a:spcPts val="1800"/>
+          </a:p>
+          <a:p>
+            <a:pPr marL="0" lvl="0" indent="0" algn="l" rtl="0">
+              <a:spcBef>
+                <a:spcPts val="1200"/>
               </a:spcBef>
               <a:spcAft>
                 <a:spcPts val="0"/>
@@ -6686,14 +6678,14 @@
               <a:buNone/>
             </a:pPr>
             <a:r>
-              <a:rPr lang="en" sz="1900" b="1">
+              <a:rPr lang="en" sz="1900" b="1" dirty="0">
                 <a:solidFill>
                   <a:srgbClr val="24292F"/>
                 </a:solidFill>
               </a:rPr>
               <a:t>Description of the data source:</a:t>
             </a:r>
-            <a:endParaRPr sz="1900" b="1">
+            <a:endParaRPr sz="1900" b="1" dirty="0">
               <a:solidFill>
                 <a:srgbClr val="24292F"/>
               </a:solidFill>
@@ -6715,14 +6707,14 @@
               <a:buNone/>
             </a:pPr>
             <a:r>
-              <a:rPr lang="en" sz="1900">
+              <a:rPr lang="en" sz="1900" dirty="0">
                 <a:solidFill>
                   <a:srgbClr val="24292F"/>
                 </a:solidFill>
               </a:rPr>
               <a:t>The two datasets are related to red and white variants of the Portuguese "Vinho Verde" wine. It displays 11 different characteristics of the grape variety.</a:t>
             </a:r>
-            <a:endParaRPr sz="1900">
+            <a:endParaRPr sz="1900" dirty="0">
               <a:solidFill>
                 <a:srgbClr val="24292F"/>
               </a:solidFill>
@@ -6747,7 +6739,7 @@
               <a:buNone/>
             </a:pPr>
             <a:r>
-              <a:rPr lang="en" sz="1664" b="1">
+              <a:rPr lang="en" sz="1664" b="1" dirty="0">
                 <a:solidFill>
                   <a:srgbClr val="24292F"/>
                 </a:solidFill>
@@ -6755,7 +6747,7 @@
               <a:t>Source Data: </a:t>
             </a:r>
             <a:r>
-              <a:rPr lang="en" sz="1664" b="1">
+              <a:rPr lang="en" sz="1664" b="1" dirty="0">
                 <a:solidFill>
                   <a:schemeClr val="hlink"/>
                 </a:solidFill>
@@ -6766,7 +6758,7 @@
               </a:rPr>
               <a:t>https://archive.ics.uci.edu/ml/datasets/Wine+Quality</a:t>
             </a:r>
-            <a:endParaRPr sz="1664" b="1">
+            <a:endParaRPr sz="1664" b="1" dirty="0">
               <a:solidFill>
                 <a:schemeClr val="hlink"/>
               </a:solidFill>
@@ -6782,7 +6774,7 @@
               </a:spcAft>
               <a:buNone/>
             </a:pPr>
-            <a:endParaRPr/>
+            <a:endParaRPr dirty="0"/>
           </a:p>
         </p:txBody>
       </p:sp>
@@ -6795,6 +6787,402 @@
 </file>
 
 <file path=ppt/slides/slide3.xml><?xml version="1.0" encoding="utf-8"?>
+<p:sld xmlns:a="http://schemas.openxmlformats.org/drawingml/2006/main" xmlns:r="http://schemas.openxmlformats.org/officeDocument/2006/relationships" xmlns:p="http://schemas.openxmlformats.org/presentationml/2006/main">
+  <p:cSld>
+    <p:spTree>
+      <p:nvGrpSpPr>
+        <p:cNvPr id="1" name="Shape 92"/>
+        <p:cNvGrpSpPr/>
+        <p:nvPr/>
+      </p:nvGrpSpPr>
+      <p:grpSpPr>
+        <a:xfrm>
+          <a:off x="0" y="0"/>
+          <a:ext cx="0" cy="0"/>
+          <a:chOff x="0" y="0"/>
+          <a:chExt cx="0" cy="0"/>
+        </a:xfrm>
+      </p:grpSpPr>
+      <p:sp>
+        <p:nvSpPr>
+          <p:cNvPr id="93" name="Google Shape;93;p19"/>
+          <p:cNvSpPr txBox="1">
+            <a:spLocks noGrp="1"/>
+          </p:cNvSpPr>
+          <p:nvPr>
+            <p:ph type="body" idx="1"/>
+          </p:nvPr>
+        </p:nvSpPr>
+        <p:spPr>
+          <a:xfrm>
+            <a:off x="4823828" y="1286562"/>
+            <a:ext cx="3805500" cy="3297786"/>
+          </a:xfrm>
+          <a:prstGeom prst="rect">
+            <a:avLst/>
+          </a:prstGeom>
+        </p:spPr>
+        <p:txBody>
+          <a:bodyPr spcFirstLastPara="1" wrap="square" lIns="91425" tIns="91425" rIns="91425" bIns="91425" anchor="t" anchorCtr="0">
+            <a:noAutofit/>
+          </a:bodyPr>
+          <a:lstStyle/>
+          <a:p>
+            <a:pPr marL="457200" lvl="0" indent="-317500" algn="l" rtl="0">
+              <a:spcBef>
+                <a:spcPts val="0"/>
+              </a:spcBef>
+              <a:spcAft>
+                <a:spcPts val="0"/>
+              </a:spcAft>
+              <a:buClr>
+                <a:schemeClr val="dk1"/>
+              </a:buClr>
+              <a:buSzPts val="1400"/>
+              <a:buAutoNum type="arabicPeriod"/>
+            </a:pPr>
+            <a:r>
+              <a:rPr lang="en" dirty="0">
+                <a:solidFill>
+                  <a:schemeClr val="dk1"/>
+                </a:solidFill>
+              </a:rPr>
+              <a:t>What are the top five high quality wines?</a:t>
+            </a:r>
+            <a:endParaRPr dirty="0">
+              <a:solidFill>
+                <a:schemeClr val="dk1"/>
+              </a:solidFill>
+            </a:endParaRPr>
+          </a:p>
+          <a:p>
+            <a:pPr marL="457200" lvl="0" indent="-317500" algn="l" rtl="0">
+              <a:spcBef>
+                <a:spcPts val="0"/>
+              </a:spcBef>
+              <a:spcAft>
+                <a:spcPts val="0"/>
+              </a:spcAft>
+              <a:buClr>
+                <a:schemeClr val="dk1"/>
+              </a:buClr>
+              <a:buSzPts val="1400"/>
+              <a:buAutoNum type="arabicPeriod"/>
+            </a:pPr>
+            <a:r>
+              <a:rPr lang="en" dirty="0">
+                <a:solidFill>
+                  <a:schemeClr val="dk1"/>
+                </a:solidFill>
+              </a:rPr>
+              <a:t>What are the bottom five lowest quality wines?</a:t>
+            </a:r>
+            <a:endParaRPr dirty="0">
+              <a:solidFill>
+                <a:schemeClr val="dk1"/>
+              </a:solidFill>
+            </a:endParaRPr>
+          </a:p>
+          <a:p>
+            <a:pPr marL="457200" lvl="0" indent="-317500" algn="l" rtl="0">
+              <a:spcBef>
+                <a:spcPts val="0"/>
+              </a:spcBef>
+              <a:spcAft>
+                <a:spcPts val="0"/>
+              </a:spcAft>
+              <a:buClr>
+                <a:schemeClr val="dk1"/>
+              </a:buClr>
+              <a:buSzPts val="1400"/>
+              <a:buAutoNum type="arabicPeriod"/>
+            </a:pPr>
+            <a:r>
+              <a:rPr lang="en" dirty="0">
+                <a:solidFill>
+                  <a:schemeClr val="dk1"/>
+                </a:solidFill>
+              </a:rPr>
+              <a:t>How many wines have residual sugars above 10? (Off-Dry)</a:t>
+            </a:r>
+            <a:endParaRPr dirty="0">
+              <a:solidFill>
+                <a:schemeClr val="dk1"/>
+              </a:solidFill>
+            </a:endParaRPr>
+          </a:p>
+          <a:p>
+            <a:pPr marL="457200" lvl="0" indent="-317500" algn="l" rtl="0">
+              <a:spcBef>
+                <a:spcPts val="0"/>
+              </a:spcBef>
+              <a:spcAft>
+                <a:spcPts val="0"/>
+              </a:spcAft>
+              <a:buClr>
+                <a:schemeClr val="dk1"/>
+              </a:buClr>
+              <a:buSzPts val="1400"/>
+              <a:buAutoNum type="arabicPeriod"/>
+            </a:pPr>
+            <a:r>
+              <a:rPr lang="en" dirty="0">
+                <a:solidFill>
+                  <a:schemeClr val="dk1"/>
+                </a:solidFill>
+              </a:rPr>
+              <a:t>How many wines have residual sugars less than 0? (Bone-Dry)</a:t>
+            </a:r>
+            <a:endParaRPr dirty="0">
+              <a:solidFill>
+                <a:schemeClr val="dk1"/>
+              </a:solidFill>
+            </a:endParaRPr>
+          </a:p>
+          <a:p>
+            <a:pPr marL="457200" lvl="0" indent="-317500" algn="l" rtl="0">
+              <a:spcBef>
+                <a:spcPts val="0"/>
+              </a:spcBef>
+              <a:spcAft>
+                <a:spcPts val="0"/>
+              </a:spcAft>
+              <a:buClr>
+                <a:schemeClr val="dk1"/>
+              </a:buClr>
+              <a:buSzPts val="1400"/>
+              <a:buAutoNum type="arabicPeriod"/>
+            </a:pPr>
+            <a:r>
+              <a:rPr lang="en" dirty="0">
+                <a:solidFill>
+                  <a:schemeClr val="dk1"/>
+                </a:solidFill>
+              </a:rPr>
+              <a:t>How many wines have residual sugars higher than 20? (Medium-Sweet)</a:t>
+            </a:r>
+            <a:endParaRPr dirty="0">
+              <a:solidFill>
+                <a:schemeClr val="dk1"/>
+              </a:solidFill>
+            </a:endParaRPr>
+          </a:p>
+          <a:p>
+            <a:pPr marL="457200" lvl="0" indent="-317500" algn="l" rtl="0">
+              <a:spcBef>
+                <a:spcPts val="0"/>
+              </a:spcBef>
+              <a:spcAft>
+                <a:spcPts val="0"/>
+              </a:spcAft>
+              <a:buClr>
+                <a:schemeClr val="dk1"/>
+              </a:buClr>
+              <a:buSzPts val="1400"/>
+              <a:buAutoNum type="arabicPeriod"/>
+            </a:pPr>
+            <a:r>
+              <a:rPr lang="en" dirty="0">
+                <a:solidFill>
+                  <a:schemeClr val="dk1"/>
+                </a:solidFill>
+              </a:rPr>
+              <a:t>How many wines have an alcohol level greater than 15%?</a:t>
+            </a:r>
+            <a:endParaRPr dirty="0">
+              <a:solidFill>
+                <a:schemeClr val="dk1"/>
+              </a:solidFill>
+            </a:endParaRPr>
+          </a:p>
+          <a:p>
+            <a:pPr marL="457200" lvl="0" indent="-317500" algn="l" rtl="0">
+              <a:spcBef>
+                <a:spcPts val="0"/>
+              </a:spcBef>
+              <a:spcAft>
+                <a:spcPts val="0"/>
+              </a:spcAft>
+              <a:buClr>
+                <a:schemeClr val="dk1"/>
+              </a:buClr>
+              <a:buSzPts val="1400"/>
+              <a:buAutoNum type="arabicPeriod"/>
+            </a:pPr>
+            <a:r>
+              <a:rPr lang="en" dirty="0">
+                <a:solidFill>
+                  <a:schemeClr val="dk1"/>
+                </a:solidFill>
+              </a:rPr>
+              <a:t>How many wines have an alcohol level less than 11%?</a:t>
+            </a:r>
+          </a:p>
+          <a:p>
+            <a:pPr marL="457200" lvl="0" indent="-317500" algn="l" rtl="0">
+              <a:spcBef>
+                <a:spcPts val="0"/>
+              </a:spcBef>
+              <a:spcAft>
+                <a:spcPts val="0"/>
+              </a:spcAft>
+              <a:buClr>
+                <a:schemeClr val="dk1"/>
+              </a:buClr>
+              <a:buSzPts val="1400"/>
+              <a:buAutoNum type="arabicPeriod"/>
+            </a:pPr>
+            <a:r>
+              <a:rPr lang="en" dirty="0">
+                <a:solidFill>
+                  <a:schemeClr val="dk1"/>
+                </a:solidFill>
+              </a:rPr>
+              <a:t>How does each individual chemical property impact the overall quality score of wine?</a:t>
+            </a:r>
+            <a:endParaRPr dirty="0">
+              <a:solidFill>
+                <a:schemeClr val="dk1"/>
+              </a:solidFill>
+            </a:endParaRPr>
+          </a:p>
+        </p:txBody>
+      </p:sp>
+      <p:sp>
+        <p:nvSpPr>
+          <p:cNvPr id="94" name="Google Shape;94;p19"/>
+          <p:cNvSpPr/>
+          <p:nvPr/>
+        </p:nvSpPr>
+        <p:spPr>
+          <a:xfrm>
+            <a:off x="0" y="0"/>
+            <a:ext cx="9173100" cy="568200"/>
+          </a:xfrm>
+          <a:prstGeom prst="rect">
+            <a:avLst/>
+          </a:prstGeom>
+          <a:solidFill>
+            <a:srgbClr val="ECF4FC"/>
+          </a:solidFill>
+          <a:ln>
+            <a:noFill/>
+          </a:ln>
+        </p:spPr>
+        <p:txBody>
+          <a:bodyPr spcFirstLastPara="1" wrap="square" lIns="91425" tIns="91425" rIns="91425" bIns="91425" anchor="ctr" anchorCtr="0">
+            <a:noAutofit/>
+          </a:bodyPr>
+          <a:lstStyle/>
+          <a:p>
+            <a:pPr marL="0" lvl="0" indent="0" algn="l" rtl="0">
+              <a:spcBef>
+                <a:spcPts val="0"/>
+              </a:spcBef>
+              <a:spcAft>
+                <a:spcPts val="0"/>
+              </a:spcAft>
+              <a:buNone/>
+            </a:pPr>
+            <a:r>
+              <a:rPr lang="en" sz="2500" dirty="0"/>
+              <a:t>Questions We Hope to Answer</a:t>
+            </a:r>
+            <a:endParaRPr sz="2500" dirty="0"/>
+          </a:p>
+        </p:txBody>
+      </p:sp>
+      <p:pic>
+        <p:nvPicPr>
+          <p:cNvPr id="95" name="Google Shape;95;p19"/>
+          <p:cNvPicPr preferRelativeResize="0"/>
+          <p:nvPr/>
+        </p:nvPicPr>
+        <p:blipFill>
+          <a:blip r:embed="rId3">
+            <a:alphaModFix/>
+          </a:blip>
+          <a:stretch>
+            <a:fillRect/>
+          </a:stretch>
+        </p:blipFill>
+        <p:spPr>
+          <a:xfrm>
+            <a:off x="604125" y="612950"/>
+            <a:ext cx="3716049" cy="4111299"/>
+          </a:xfrm>
+          <a:prstGeom prst="rect">
+            <a:avLst/>
+          </a:prstGeom>
+          <a:noFill/>
+          <a:ln>
+            <a:noFill/>
+          </a:ln>
+        </p:spPr>
+      </p:pic>
+      <p:sp>
+        <p:nvSpPr>
+          <p:cNvPr id="96" name="Google Shape;96;p19"/>
+          <p:cNvSpPr txBox="1"/>
+          <p:nvPr/>
+        </p:nvSpPr>
+        <p:spPr>
+          <a:xfrm>
+            <a:off x="868457" y="4584348"/>
+            <a:ext cx="3118327" cy="338524"/>
+          </a:xfrm>
+          <a:prstGeom prst="rect">
+            <a:avLst/>
+          </a:prstGeom>
+          <a:noFill/>
+          <a:ln>
+            <a:noFill/>
+          </a:ln>
+        </p:spPr>
+        <p:txBody>
+          <a:bodyPr spcFirstLastPara="1" wrap="square" lIns="91425" tIns="91425" rIns="91425" bIns="91425" anchor="t" anchorCtr="0">
+            <a:spAutoFit/>
+          </a:bodyPr>
+          <a:lstStyle/>
+          <a:p>
+            <a:pPr marL="0" lvl="0" indent="0" algn="ctr" rtl="0">
+              <a:spcBef>
+                <a:spcPts val="0"/>
+              </a:spcBef>
+              <a:spcAft>
+                <a:spcPts val="0"/>
+              </a:spcAft>
+              <a:buNone/>
+            </a:pPr>
+            <a:r>
+              <a:rPr lang="en" sz="1000" i="1" dirty="0"/>
+              <a:t>[</a:t>
+            </a:r>
+            <a:r>
+              <a:rPr lang="en" sz="1000" i="1" dirty="0">
+                <a:highlight>
+                  <a:srgbClr val="FFFF00"/>
+                </a:highlight>
+              </a:rPr>
+              <a:t>Will replace with our dryness scale from Tableau</a:t>
+            </a:r>
+            <a:r>
+              <a:rPr lang="en" sz="1000" i="1" dirty="0"/>
+              <a:t>]</a:t>
+            </a:r>
+            <a:endParaRPr sz="1000" i="1" dirty="0"/>
+          </a:p>
+        </p:txBody>
+      </p:sp>
+    </p:spTree>
+  </p:cSld>
+  <p:clrMapOvr>
+    <a:masterClrMapping/>
+  </p:clrMapOvr>
+</p:sld>
+</file>
+
+<file path=ppt/slides/slide4.xml><?xml version="1.0" encoding="utf-8"?>
 <p:sld xmlns:a="http://schemas.openxmlformats.org/drawingml/2006/main" xmlns:r="http://schemas.openxmlformats.org/officeDocument/2006/relationships" xmlns:p="http://schemas.openxmlformats.org/presentationml/2006/main">
   <p:cSld>
     <p:spTree>
@@ -7425,7 +7813,7 @@
 </p:sld>
 </file>
 
-<file path=ppt/slides/slide4.xml><?xml version="1.0" encoding="utf-8"?>
+<file path=ppt/slides/slide5.xml><?xml version="1.0" encoding="utf-8"?>
 <p:sld xmlns:a="http://schemas.openxmlformats.org/drawingml/2006/main" xmlns:r="http://schemas.openxmlformats.org/officeDocument/2006/relationships" xmlns:p="http://schemas.openxmlformats.org/presentationml/2006/main">
   <p:cSld>
     <p:spTree>
@@ -7832,7 +8220,7 @@
 </p:sld>
 </file>
 
-<file path=ppt/slides/slide5.xml><?xml version="1.0" encoding="utf-8"?>
+<file path=ppt/slides/slide6.xml><?xml version="1.0" encoding="utf-8"?>
 <p:sld xmlns:a="http://schemas.openxmlformats.org/drawingml/2006/main" xmlns:r="http://schemas.openxmlformats.org/officeDocument/2006/relationships" xmlns:p="http://schemas.openxmlformats.org/presentationml/2006/main">
   <p:cSld>
     <p:spTree>
@@ -8140,7 +8528,7 @@
 </p:sld>
 </file>
 
-<file path=ppt/slides/slide6.xml><?xml version="1.0" encoding="utf-8"?>
+<file path=ppt/slides/slide7.xml><?xml version="1.0" encoding="utf-8"?>
 <p:sld xmlns:a="http://schemas.openxmlformats.org/drawingml/2006/main" xmlns:r="http://schemas.openxmlformats.org/officeDocument/2006/relationships" xmlns:p="http://schemas.openxmlformats.org/presentationml/2006/main">
   <p:cSld>
     <p:spTree>
@@ -8412,7 +8800,7 @@
         </p:nvSpPr>
         <p:spPr>
           <a:xfrm>
-            <a:off x="4832400" y="927975"/>
+            <a:off x="4572000" y="934235"/>
             <a:ext cx="3999900" cy="3416400"/>
           </a:xfrm>
           <a:prstGeom prst="rect">
@@ -8435,14 +8823,14 @@
               <a:buNone/>
             </a:pPr>
             <a:r>
-              <a:rPr lang="en" b="1">
+              <a:rPr lang="en" b="1" dirty="0">
                 <a:solidFill>
                   <a:schemeClr val="dk1"/>
                 </a:solidFill>
               </a:rPr>
               <a:t>Interactive Element:</a:t>
             </a:r>
-            <a:endParaRPr b="1">
+            <a:endParaRPr b="1" dirty="0">
               <a:solidFill>
                 <a:schemeClr val="dk1"/>
               </a:solidFill>
@@ -8463,7 +8851,7 @@
               <a:buChar char="❖"/>
             </a:pPr>
             <a:r>
-              <a:rPr lang="en" sz="1600" b="1">
+              <a:rPr lang="en" sz="1600" b="1" dirty="0">
                 <a:solidFill>
                   <a:schemeClr val="dk1"/>
                 </a:solidFill>
@@ -8471,7 +8859,7 @@
               <a:t>Scale Diagram </a:t>
             </a:r>
             <a:r>
-              <a:rPr lang="en" sz="1600">
+              <a:rPr lang="en" sz="1600" dirty="0">
                 <a:solidFill>
                   <a:schemeClr val="dk1"/>
                 </a:solidFill>
@@ -8479,14 +8867,14 @@
               <a:t>- </a:t>
             </a:r>
             <a:r>
-              <a:rPr lang="en" sz="1400">
+              <a:rPr lang="en" sz="1400" dirty="0">
                 <a:solidFill>
                   <a:schemeClr val="dk1"/>
                 </a:solidFill>
               </a:rPr>
               <a:t>this will be a diagram comparing how residual sugar levels provide to the sweetness vs dryness of a wine.</a:t>
             </a:r>
-            <a:endParaRPr sz="1400">
+            <a:endParaRPr sz="1400" dirty="0">
               <a:solidFill>
                 <a:schemeClr val="dk1"/>
               </a:solidFill>
@@ -8507,7 +8895,7 @@
               <a:buChar char="❖"/>
             </a:pPr>
             <a:r>
-              <a:rPr lang="en" sz="1600" b="1">
+              <a:rPr lang="en" sz="1600" b="1" dirty="0">
                 <a:solidFill>
                   <a:schemeClr val="dk1"/>
                 </a:solidFill>
@@ -8515,7 +8903,7 @@
               <a:t>Line/Bar Graph </a:t>
             </a:r>
             <a:r>
-              <a:rPr lang="en" sz="1600">
+              <a:rPr lang="en" sz="1600" dirty="0">
                 <a:solidFill>
                   <a:schemeClr val="dk1"/>
                 </a:solidFill>
@@ -8523,14 +8911,14 @@
               <a:t>- </a:t>
             </a:r>
             <a:r>
-              <a:rPr lang="en" sz="1400">
+              <a:rPr lang="en" sz="1400" dirty="0">
                 <a:solidFill>
                   <a:schemeClr val="dk1"/>
                 </a:solidFill>
               </a:rPr>
               <a:t>to show how certain chemicals properties contribute to the quality of wines. </a:t>
             </a:r>
-            <a:endParaRPr sz="1400">
+            <a:endParaRPr sz="1400" dirty="0">
               <a:solidFill>
                 <a:schemeClr val="dk1"/>
               </a:solidFill>
@@ -8551,391 +8939,18 @@
               <a:buChar char="➢"/>
             </a:pPr>
             <a:r>
-              <a:rPr lang="en" sz="1200">
+              <a:rPr lang="en" sz="1200" dirty="0">
                 <a:solidFill>
                   <a:schemeClr val="dk1"/>
                 </a:solidFill>
               </a:rPr>
               <a:t>For example, when you take out alcohol what is the quality score versus when you include alcohol?</a:t>
             </a:r>
-            <a:endParaRPr sz="1200">
+            <a:endParaRPr sz="1200" dirty="0">
               <a:solidFill>
                 <a:schemeClr val="dk1"/>
               </a:solidFill>
             </a:endParaRPr>
-          </a:p>
-        </p:txBody>
-      </p:sp>
-    </p:spTree>
-  </p:cSld>
-  <p:clrMapOvr>
-    <a:masterClrMapping/>
-  </p:clrMapOvr>
-</p:sld>
-</file>
-
-<file path=ppt/slides/slide7.xml><?xml version="1.0" encoding="utf-8"?>
-<p:sld xmlns:a="http://schemas.openxmlformats.org/drawingml/2006/main" xmlns:r="http://schemas.openxmlformats.org/officeDocument/2006/relationships" xmlns:p="http://schemas.openxmlformats.org/presentationml/2006/main">
-  <p:cSld>
-    <p:spTree>
-      <p:nvGrpSpPr>
-        <p:cNvPr id="1" name="Shape 92"/>
-        <p:cNvGrpSpPr/>
-        <p:nvPr/>
-      </p:nvGrpSpPr>
-      <p:grpSpPr>
-        <a:xfrm>
-          <a:off x="0" y="0"/>
-          <a:ext cx="0" cy="0"/>
-          <a:chOff x="0" y="0"/>
-          <a:chExt cx="0" cy="0"/>
-        </a:xfrm>
-      </p:grpSpPr>
-      <p:sp>
-        <p:nvSpPr>
-          <p:cNvPr id="93" name="Google Shape;93;p19"/>
-          <p:cNvSpPr txBox="1">
-            <a:spLocks noGrp="1"/>
-          </p:cNvSpPr>
-          <p:nvPr>
-            <p:ph type="body" idx="1"/>
-          </p:nvPr>
-        </p:nvSpPr>
-        <p:spPr>
-          <a:xfrm>
-            <a:off x="4938925" y="836800"/>
-            <a:ext cx="3805500" cy="3745500"/>
-          </a:xfrm>
-          <a:prstGeom prst="rect">
-            <a:avLst/>
-          </a:prstGeom>
-        </p:spPr>
-        <p:txBody>
-          <a:bodyPr spcFirstLastPara="1" wrap="square" lIns="91425" tIns="91425" rIns="91425" bIns="91425" anchor="t" anchorCtr="0">
-            <a:normAutofit/>
-          </a:bodyPr>
-          <a:lstStyle/>
-          <a:p>
-            <a:pPr marL="457200" lvl="0" indent="-317500" algn="l" rtl="0">
-              <a:spcBef>
-                <a:spcPts val="0"/>
-              </a:spcBef>
-              <a:spcAft>
-                <a:spcPts val="0"/>
-              </a:spcAft>
-              <a:buClr>
-                <a:schemeClr val="dk1"/>
-              </a:buClr>
-              <a:buSzPts val="1400"/>
-              <a:buAutoNum type="arabicPeriod"/>
-            </a:pPr>
-            <a:r>
-              <a:rPr lang="en" sz="1400">
-                <a:solidFill>
-                  <a:schemeClr val="dk1"/>
-                </a:solidFill>
-              </a:rPr>
-              <a:t>What are the top five high quality wines?</a:t>
-            </a:r>
-            <a:endParaRPr sz="1400">
-              <a:solidFill>
-                <a:schemeClr val="dk1"/>
-              </a:solidFill>
-            </a:endParaRPr>
-          </a:p>
-          <a:p>
-            <a:pPr marL="457200" lvl="0" indent="-317500" algn="l" rtl="0">
-              <a:spcBef>
-                <a:spcPts val="0"/>
-              </a:spcBef>
-              <a:spcAft>
-                <a:spcPts val="0"/>
-              </a:spcAft>
-              <a:buClr>
-                <a:schemeClr val="dk1"/>
-              </a:buClr>
-              <a:buSzPts val="1400"/>
-              <a:buAutoNum type="arabicPeriod"/>
-            </a:pPr>
-            <a:r>
-              <a:rPr lang="en" sz="1400">
-                <a:solidFill>
-                  <a:schemeClr val="dk1"/>
-                </a:solidFill>
-              </a:rPr>
-              <a:t>What are the bottom five lowest quality wines?</a:t>
-            </a:r>
-            <a:endParaRPr sz="1400">
-              <a:solidFill>
-                <a:schemeClr val="dk1"/>
-              </a:solidFill>
-            </a:endParaRPr>
-          </a:p>
-          <a:p>
-            <a:pPr marL="457200" lvl="0" indent="-317500" algn="l" rtl="0">
-              <a:spcBef>
-                <a:spcPts val="0"/>
-              </a:spcBef>
-              <a:spcAft>
-                <a:spcPts val="0"/>
-              </a:spcAft>
-              <a:buClr>
-                <a:schemeClr val="dk1"/>
-              </a:buClr>
-              <a:buSzPts val="1400"/>
-              <a:buAutoNum type="arabicPeriod"/>
-            </a:pPr>
-            <a:r>
-              <a:rPr lang="en" sz="1400">
-                <a:solidFill>
-                  <a:schemeClr val="dk1"/>
-                </a:solidFill>
-              </a:rPr>
-              <a:t>How many wines have residual sugars above 10? (Off-Dry)</a:t>
-            </a:r>
-            <a:endParaRPr sz="1400">
-              <a:solidFill>
-                <a:schemeClr val="dk1"/>
-              </a:solidFill>
-            </a:endParaRPr>
-          </a:p>
-          <a:p>
-            <a:pPr marL="457200" lvl="0" indent="-317500" algn="l" rtl="0">
-              <a:spcBef>
-                <a:spcPts val="0"/>
-              </a:spcBef>
-              <a:spcAft>
-                <a:spcPts val="0"/>
-              </a:spcAft>
-              <a:buClr>
-                <a:schemeClr val="dk1"/>
-              </a:buClr>
-              <a:buSzPts val="1400"/>
-              <a:buAutoNum type="arabicPeriod"/>
-            </a:pPr>
-            <a:r>
-              <a:rPr lang="en" sz="1400">
-                <a:solidFill>
-                  <a:schemeClr val="dk1"/>
-                </a:solidFill>
-              </a:rPr>
-              <a:t>How many wines have residual sugars less than 0? (Bone-Dry)</a:t>
-            </a:r>
-            <a:endParaRPr sz="1400">
-              <a:solidFill>
-                <a:schemeClr val="dk1"/>
-              </a:solidFill>
-            </a:endParaRPr>
-          </a:p>
-          <a:p>
-            <a:pPr marL="457200" lvl="0" indent="-317500" algn="l" rtl="0">
-              <a:spcBef>
-                <a:spcPts val="0"/>
-              </a:spcBef>
-              <a:spcAft>
-                <a:spcPts val="0"/>
-              </a:spcAft>
-              <a:buClr>
-                <a:schemeClr val="dk1"/>
-              </a:buClr>
-              <a:buSzPts val="1400"/>
-              <a:buAutoNum type="arabicPeriod"/>
-            </a:pPr>
-            <a:r>
-              <a:rPr lang="en" sz="1400">
-                <a:solidFill>
-                  <a:schemeClr val="dk1"/>
-                </a:solidFill>
-              </a:rPr>
-              <a:t> How many wines have residual sugars higher than 20? (Medium-Sweet)</a:t>
-            </a:r>
-            <a:endParaRPr sz="1400">
-              <a:solidFill>
-                <a:schemeClr val="dk1"/>
-              </a:solidFill>
-            </a:endParaRPr>
-          </a:p>
-          <a:p>
-            <a:pPr marL="457200" lvl="0" indent="-317500" algn="l" rtl="0">
-              <a:spcBef>
-                <a:spcPts val="0"/>
-              </a:spcBef>
-              <a:spcAft>
-                <a:spcPts val="0"/>
-              </a:spcAft>
-              <a:buClr>
-                <a:schemeClr val="dk1"/>
-              </a:buClr>
-              <a:buSzPts val="1400"/>
-              <a:buAutoNum type="arabicPeriod"/>
-            </a:pPr>
-            <a:r>
-              <a:rPr lang="en" sz="1400">
-                <a:solidFill>
-                  <a:schemeClr val="dk1"/>
-                </a:solidFill>
-              </a:rPr>
-              <a:t>How many wines have an alcohol level greater than 15%?</a:t>
-            </a:r>
-            <a:endParaRPr sz="1400">
-              <a:solidFill>
-                <a:schemeClr val="dk1"/>
-              </a:solidFill>
-            </a:endParaRPr>
-          </a:p>
-          <a:p>
-            <a:pPr marL="457200" lvl="0" indent="-317500" algn="l" rtl="0">
-              <a:spcBef>
-                <a:spcPts val="0"/>
-              </a:spcBef>
-              <a:spcAft>
-                <a:spcPts val="0"/>
-              </a:spcAft>
-              <a:buClr>
-                <a:schemeClr val="dk1"/>
-              </a:buClr>
-              <a:buSzPts val="1400"/>
-              <a:buAutoNum type="arabicPeriod"/>
-            </a:pPr>
-            <a:r>
-              <a:rPr lang="en" sz="1400">
-                <a:solidFill>
-                  <a:schemeClr val="dk1"/>
-                </a:solidFill>
-              </a:rPr>
-              <a:t>How many wines have an alcohol level less than 11%?</a:t>
-            </a:r>
-            <a:endParaRPr sz="1400">
-              <a:solidFill>
-                <a:schemeClr val="dk1"/>
-              </a:solidFill>
-            </a:endParaRPr>
-          </a:p>
-        </p:txBody>
-      </p:sp>
-      <p:sp>
-        <p:nvSpPr>
-          <p:cNvPr id="94" name="Google Shape;94;p19"/>
-          <p:cNvSpPr/>
-          <p:nvPr/>
-        </p:nvSpPr>
-        <p:spPr>
-          <a:xfrm>
-            <a:off x="0" y="0"/>
-            <a:ext cx="9173100" cy="568200"/>
-          </a:xfrm>
-          <a:prstGeom prst="rect">
-            <a:avLst/>
-          </a:prstGeom>
-          <a:solidFill>
-            <a:srgbClr val="ECF4FC"/>
-          </a:solidFill>
-          <a:ln>
-            <a:noFill/>
-          </a:ln>
-        </p:spPr>
-        <p:txBody>
-          <a:bodyPr spcFirstLastPara="1" wrap="square" lIns="91425" tIns="91425" rIns="91425" bIns="91425" anchor="ctr" anchorCtr="0">
-            <a:noAutofit/>
-          </a:bodyPr>
-          <a:lstStyle/>
-          <a:p>
-            <a:pPr marL="0" lvl="0" indent="0" algn="l" rtl="0">
-              <a:spcBef>
-                <a:spcPts val="0"/>
-              </a:spcBef>
-              <a:spcAft>
-                <a:spcPts val="0"/>
-              </a:spcAft>
-              <a:buNone/>
-            </a:pPr>
-            <a:r>
-              <a:rPr lang="en" sz="2500"/>
-              <a:t>Questions</a:t>
-            </a:r>
-            <a:endParaRPr sz="2500"/>
-          </a:p>
-        </p:txBody>
-      </p:sp>
-      <p:pic>
-        <p:nvPicPr>
-          <p:cNvPr id="95" name="Google Shape;95;p19"/>
-          <p:cNvPicPr preferRelativeResize="0"/>
-          <p:nvPr/>
-        </p:nvPicPr>
-        <p:blipFill>
-          <a:blip r:embed="rId3">
-            <a:alphaModFix/>
-          </a:blip>
-          <a:stretch>
-            <a:fillRect/>
-          </a:stretch>
-        </p:blipFill>
-        <p:spPr>
-          <a:xfrm>
-            <a:off x="604125" y="612950"/>
-            <a:ext cx="3716049" cy="4111299"/>
-          </a:xfrm>
-          <a:prstGeom prst="rect">
-            <a:avLst/>
-          </a:prstGeom>
-          <a:noFill/>
-          <a:ln>
-            <a:noFill/>
-          </a:ln>
-        </p:spPr>
-      </p:pic>
-      <p:sp>
-        <p:nvSpPr>
-          <p:cNvPr id="96" name="Google Shape;96;p19"/>
-          <p:cNvSpPr txBox="1"/>
-          <p:nvPr/>
-        </p:nvSpPr>
-        <p:spPr>
-          <a:xfrm>
-            <a:off x="388763" y="4681675"/>
-            <a:ext cx="4043700" cy="400200"/>
-          </a:xfrm>
-          <a:prstGeom prst="rect">
-            <a:avLst/>
-          </a:prstGeom>
-          <a:noFill/>
-          <a:ln>
-            <a:noFill/>
-          </a:ln>
-        </p:spPr>
-        <p:txBody>
-          <a:bodyPr spcFirstLastPara="1" wrap="square" lIns="91425" tIns="91425" rIns="91425" bIns="91425" anchor="t" anchorCtr="0">
-            <a:spAutoFit/>
-          </a:bodyPr>
-          <a:lstStyle/>
-          <a:p>
-            <a:pPr marL="0" lvl="0" indent="0" algn="ctr" rtl="0">
-              <a:spcBef>
-                <a:spcPts val="0"/>
-              </a:spcBef>
-              <a:spcAft>
-                <a:spcPts val="0"/>
-              </a:spcAft>
-              <a:buNone/>
-            </a:pPr>
-            <a:r>
-              <a:rPr lang="en"/>
-              <a:t>[</a:t>
-            </a:r>
-            <a:r>
-              <a:rPr lang="en">
-                <a:highlight>
-                  <a:srgbClr val="FFFF00"/>
-                </a:highlight>
-              </a:rPr>
-              <a:t>Replace with our dryness scale from Tableau</a:t>
-            </a:r>
-            <a:r>
-              <a:rPr lang="en"/>
-              <a:t>]</a:t>
-            </a:r>
-            <a:endParaRPr/>
           </a:p>
         </p:txBody>
       </p:sp>

--- a/Wine Quality Analysis.pptx
+++ b/Wine Quality Analysis.pptx
@@ -1162,7 +1162,7 @@
         </p:nvSpPr>
         <p:spPr>
           <a:xfrm>
-            <a:off x="381300" y="685800"/>
+            <a:off x="381000" y="685800"/>
             <a:ext cx="6096000" cy="3429000"/>
           </a:xfrm>
           <a:custGeom>
@@ -7872,7 +7872,7 @@
               <a:buChar char="❖"/>
             </a:pPr>
             <a:r>
-              <a:rPr lang="en" sz="1210" b="1">
+              <a:rPr lang="en" sz="1210" b="1" dirty="0">
                 <a:solidFill>
                   <a:srgbClr val="24292F"/>
                 </a:solidFill>
@@ -7882,7 +7882,7 @@
               </a:rPr>
               <a:t>Data Cleaning and Analysis:</a:t>
             </a:r>
-            <a:endParaRPr sz="1210" b="1">
+            <a:endParaRPr sz="1210" b="1" dirty="0">
               <a:solidFill>
                 <a:srgbClr val="24292F"/>
               </a:solidFill>
@@ -7909,7 +7909,7 @@
               <a:buChar char="➢"/>
             </a:pPr>
             <a:r>
-              <a:rPr lang="en" sz="1210">
+              <a:rPr lang="en" sz="1210" dirty="0">
                 <a:solidFill>
                   <a:srgbClr val="24292F"/>
                 </a:solidFill>
@@ -7919,7 +7919,7 @@
               </a:rPr>
               <a:t>Pandas will be used to clean the data and perform analysis.</a:t>
             </a:r>
-            <a:endParaRPr sz="1210">
+            <a:endParaRPr sz="1210" dirty="0">
               <a:solidFill>
                 <a:srgbClr val="24292F"/>
               </a:solidFill>
@@ -7946,7 +7946,7 @@
               <a:buChar char="❖"/>
             </a:pPr>
             <a:r>
-              <a:rPr lang="en" sz="1210" b="1">
+              <a:rPr lang="en" sz="1210" b="1" dirty="0">
                 <a:solidFill>
                   <a:srgbClr val="24292F"/>
                 </a:solidFill>
@@ -7956,7 +7956,7 @@
               </a:rPr>
               <a:t>Database Storage:</a:t>
             </a:r>
-            <a:endParaRPr sz="1210" b="1">
+            <a:endParaRPr sz="1210" b="1" dirty="0">
               <a:solidFill>
                 <a:srgbClr val="24292F"/>
               </a:solidFill>
@@ -7983,7 +7983,7 @@
               <a:buChar char="➢"/>
             </a:pPr>
             <a:r>
-              <a:rPr lang="en" sz="1210">
+              <a:rPr lang="en" sz="1210" dirty="0">
                 <a:solidFill>
                   <a:srgbClr val="24292F"/>
                 </a:solidFill>
@@ -7993,7 +7993,7 @@
               </a:rPr>
               <a:t>Postgres SQL is the database we selected to use to store the cleaned data</a:t>
             </a:r>
-            <a:endParaRPr sz="1210">
+            <a:endParaRPr sz="1210" dirty="0">
               <a:solidFill>
                 <a:srgbClr val="24292F"/>
               </a:solidFill>
@@ -8020,7 +8020,7 @@
               <a:buChar char="❖"/>
             </a:pPr>
             <a:r>
-              <a:rPr lang="en" sz="1210" b="1">
+              <a:rPr lang="en" sz="1210" b="1" dirty="0">
                 <a:solidFill>
                   <a:srgbClr val="24292F"/>
                 </a:solidFill>
@@ -8030,7 +8030,7 @@
               </a:rPr>
               <a:t>Machine Learning:</a:t>
             </a:r>
-            <a:endParaRPr sz="1210" b="1">
+            <a:endParaRPr sz="1210" b="1" dirty="0">
               <a:solidFill>
                 <a:srgbClr val="24292F"/>
               </a:solidFill>
@@ -8057,7 +8057,7 @@
               <a:buChar char="➢"/>
             </a:pPr>
             <a:r>
-              <a:rPr lang="en" sz="1210">
+              <a:rPr lang="en" sz="1210" dirty="0">
                 <a:solidFill>
                   <a:srgbClr val="24292F"/>
                 </a:solidFill>
@@ -8065,9 +8065,9 @@
                   <a:srgbClr val="FFFFFF"/>
                 </a:highlight>
               </a:rPr>
-              <a:t>SciKit learn is the Machine Learning library for Python that we will use to make predictions on the topic that was selected for our project.</a:t>
+              <a:t>SciKit learn is the Machine Learning library for Python that we will use to make predictions on for our wine analysis for our project.</a:t>
             </a:r>
-            <a:endParaRPr sz="1210">
+            <a:endParaRPr sz="1210" dirty="0">
               <a:solidFill>
                 <a:srgbClr val="24292F"/>
               </a:solidFill>
@@ -8094,7 +8094,7 @@
               <a:buChar char="❖"/>
             </a:pPr>
             <a:r>
-              <a:rPr lang="en" sz="1210" b="1">
+              <a:rPr lang="en" sz="1210" b="1" dirty="0">
                 <a:solidFill>
                   <a:srgbClr val="24292F"/>
                 </a:solidFill>
@@ -8104,7 +8104,7 @@
               </a:rPr>
               <a:t>Dashboard:</a:t>
             </a:r>
-            <a:endParaRPr sz="1210" b="1">
+            <a:endParaRPr sz="1210" b="1" dirty="0">
               <a:solidFill>
                 <a:srgbClr val="24292F"/>
               </a:solidFill>
@@ -8131,7 +8131,7 @@
               <a:buChar char="➢"/>
             </a:pPr>
             <a:r>
-              <a:rPr lang="en" sz="1210">
+              <a:rPr lang="en" sz="1210" dirty="0">
                 <a:solidFill>
                   <a:srgbClr val="24292F"/>
                 </a:solidFill>
@@ -8141,7 +8141,7 @@
               </a:rPr>
               <a:t>We have selected Tableau to build the dashboard to present our results.</a:t>
             </a:r>
-            <a:endParaRPr sz="1210">
+            <a:endParaRPr sz="1210" dirty="0">
               <a:solidFill>
                 <a:srgbClr val="24292F"/>
               </a:solidFill>
@@ -8164,7 +8164,7 @@
               <a:buSzPts val="1018"/>
               <a:buNone/>
             </a:pPr>
-            <a:endParaRPr sz="1765"/>
+            <a:endParaRPr sz="1765" dirty="0"/>
           </a:p>
         </p:txBody>
       </p:sp>

--- a/Wine Quality Analysis.pptx
+++ b/Wine Quality Analysis.pptx
@@ -5,7 +5,7 @@
     <p:sldMasterId id="2147483659" r:id="rId1"/>
   </p:sldMasterIdLst>
   <p:notesMasterIdLst>
-    <p:notesMasterId r:id="rId10"/>
+    <p:notesMasterId r:id="rId11"/>
   </p:notesMasterIdLst>
   <p:sldIdLst>
     <p:sldId id="256" r:id="rId2"/>
@@ -16,18 +16,10 @@
     <p:sldId id="260" r:id="rId7"/>
     <p:sldId id="261" r:id="rId8"/>
     <p:sldId id="263" r:id="rId9"/>
+    <p:sldId id="264" r:id="rId10"/>
   </p:sldIdLst>
   <p:sldSz cx="9144000" cy="5143500" type="screen16x9"/>
   <p:notesSz cx="6858000" cy="9144000"/>
-  <p:embeddedFontLst>
-    <p:embeddedFont>
-      <p:font typeface="Roboto" panose="02000000000000000000" pitchFamily="2" charset="0"/>
-      <p:regular r:id="rId11"/>
-      <p:bold r:id="rId12"/>
-      <p:italic r:id="rId13"/>
-      <p:boldItalic r:id="rId14"/>
-    </p:embeddedFont>
-  </p:embeddedFontLst>
   <p:defaultTextStyle>
     <a:defPPr marR="0" lvl="0" algn="l" rtl="0">
       <a:lnSpc>
@@ -746,8 +738,8 @@
         </p:nvSpPr>
         <p:spPr>
           <a:xfrm>
-            <a:off x="381300" y="685800"/>
-            <a:ext cx="6096075" cy="3429000"/>
+            <a:off x="381000" y="685800"/>
+            <a:ext cx="6096000" cy="3429000"/>
           </a:xfrm>
           <a:custGeom>
             <a:avLst/>
@@ -1058,7 +1050,7 @@
         </p:nvSpPr>
         <p:spPr>
           <a:xfrm>
-            <a:off x="381300" y="685800"/>
+            <a:off x="381000" y="685800"/>
             <a:ext cx="6096000" cy="3429000"/>
           </a:xfrm>
           <a:custGeom>
@@ -1266,7 +1258,7 @@
         </p:nvSpPr>
         <p:spPr>
           <a:xfrm>
-            <a:off x="381300" y="685800"/>
+            <a:off x="381000" y="685800"/>
             <a:ext cx="6096000" cy="3429000"/>
           </a:xfrm>
           <a:custGeom>
@@ -1472,7 +1464,7 @@
   <p:cSld>
     <p:spTree>
       <p:nvGrpSpPr>
-        <p:cNvPr id="1" name="Shape 97"/>
+        <p:cNvPr id="1" name="Shape 82"/>
         <p:cNvGrpSpPr/>
         <p:nvPr/>
       </p:nvGrpSpPr>
@@ -1486,7 +1478,7 @@
       </p:grpSpPr>
       <p:sp>
         <p:nvSpPr>
-          <p:cNvPr id="98" name="Google Shape;98;g10d1865704b_0_6:notes"/>
+          <p:cNvPr id="83" name="Google Shape;83;g10d1865704b_2_6:notes"/>
           <p:cNvSpPr>
             <a:spLocks noGrp="1" noRot="1" noChangeAspect="1"/>
           </p:cNvSpPr>
@@ -1496,7 +1488,7 @@
         </p:nvSpPr>
         <p:spPr>
           <a:xfrm>
-            <a:off x="381300" y="685800"/>
+            <a:off x="381000" y="685800"/>
             <a:ext cx="6096000" cy="3429000"/>
           </a:xfrm>
           <a:custGeom>
@@ -1527,7 +1519,7 @@
       </p:sp>
       <p:sp>
         <p:nvSpPr>
-          <p:cNvPr id="99" name="Google Shape;99;g10d1865704b_0_6:notes"/>
+          <p:cNvPr id="84" name="Google Shape;84;g10d1865704b_2_6:notes"/>
           <p:cNvSpPr txBox="1">
             <a:spLocks noGrp="1"/>
           </p:cNvSpPr>
@@ -1551,19 +1543,155 @@
           <a:lstStyle/>
           <a:p>
             <a:pPr marL="0" lvl="0" indent="0" algn="l" rtl="0">
-              <a:spcBef>
-                <a:spcPts val="0"/>
-              </a:spcBef>
-              <a:spcAft>
-                <a:spcPts val="0"/>
+              <a:lnSpc>
+                <a:spcPct val="115000"/>
+              </a:lnSpc>
+              <a:spcBef>
+                <a:spcPts val="0"/>
+              </a:spcBef>
+              <a:spcAft>
+                <a:spcPts val="1200"/>
               </a:spcAft>
               <a:buNone/>
             </a:pPr>
-            <a:endParaRPr/>
+            <a:r>
+              <a:rPr lang="en">
+                <a:solidFill>
+                  <a:srgbClr val="595959"/>
+                </a:solidFill>
+              </a:rPr>
+              <a:t>https://towardsdatascience.com/what-makes-a-wine-good-ea370601a8e4</a:t>
+            </a:r>
+            <a:endParaRPr sz="400"/>
           </a:p>
         </p:txBody>
       </p:sp>
     </p:spTree>
+    <p:extLst>
+      <p:ext uri="{BB962C8B-B14F-4D97-AF65-F5344CB8AC3E}">
+        <p14:creationId xmlns:p14="http://schemas.microsoft.com/office/powerpoint/2010/main" val="840686498"/>
+      </p:ext>
+    </p:extLst>
+  </p:cSld>
+  <p:clrMapOvr>
+    <a:masterClrMapping/>
+  </p:clrMapOvr>
+</p:notes>
+</file>
+
+<file path=ppt/notesSlides/notesSlide9.xml><?xml version="1.0" encoding="utf-8"?>
+<p:notes xmlns:a="http://schemas.openxmlformats.org/drawingml/2006/main" xmlns:r="http://schemas.openxmlformats.org/officeDocument/2006/relationships" xmlns:p="http://schemas.openxmlformats.org/presentationml/2006/main" showMasterSp="0" showMasterPhAnim="0">
+  <p:cSld>
+    <p:spTree>
+      <p:nvGrpSpPr>
+        <p:cNvPr id="1" name="Shape 82"/>
+        <p:cNvGrpSpPr/>
+        <p:nvPr/>
+      </p:nvGrpSpPr>
+      <p:grpSpPr>
+        <a:xfrm>
+          <a:off x="0" y="0"/>
+          <a:ext cx="0" cy="0"/>
+          <a:chOff x="0" y="0"/>
+          <a:chExt cx="0" cy="0"/>
+        </a:xfrm>
+      </p:grpSpPr>
+      <p:sp>
+        <p:nvSpPr>
+          <p:cNvPr id="83" name="Google Shape;83;g10d1865704b_2_6:notes"/>
+          <p:cNvSpPr>
+            <a:spLocks noGrp="1" noRot="1" noChangeAspect="1"/>
+          </p:cNvSpPr>
+          <p:nvPr>
+            <p:ph type="sldImg" idx="2"/>
+          </p:nvPr>
+        </p:nvSpPr>
+        <p:spPr>
+          <a:xfrm>
+            <a:off x="381000" y="685800"/>
+            <a:ext cx="6096000" cy="3429000"/>
+          </a:xfrm>
+          <a:custGeom>
+            <a:avLst/>
+            <a:gdLst/>
+            <a:ahLst/>
+            <a:cxnLst/>
+            <a:rect l="l" t="t" r="r" b="b"/>
+            <a:pathLst>
+              <a:path w="120000" h="120000" extrusionOk="0">
+                <a:moveTo>
+                  <a:pt x="0" y="0"/>
+                </a:moveTo>
+                <a:lnTo>
+                  <a:pt x="120000" y="0"/>
+                </a:lnTo>
+                <a:lnTo>
+                  <a:pt x="120000" y="120000"/>
+                </a:lnTo>
+                <a:lnTo>
+                  <a:pt x="0" y="120000"/>
+                </a:lnTo>
+                <a:close/>
+              </a:path>
+            </a:pathLst>
+          </a:custGeom>
+        </p:spPr>
+      </p:sp>
+      <p:sp>
+        <p:nvSpPr>
+          <p:cNvPr id="84" name="Google Shape;84;g10d1865704b_2_6:notes"/>
+          <p:cNvSpPr txBox="1">
+            <a:spLocks noGrp="1"/>
+          </p:cNvSpPr>
+          <p:nvPr>
+            <p:ph type="body" idx="1"/>
+          </p:nvPr>
+        </p:nvSpPr>
+        <p:spPr>
+          <a:xfrm>
+            <a:off x="685800" y="4343400"/>
+            <a:ext cx="5486400" cy="4114800"/>
+          </a:xfrm>
+          <a:prstGeom prst="rect">
+            <a:avLst/>
+          </a:prstGeom>
+        </p:spPr>
+        <p:txBody>
+          <a:bodyPr spcFirstLastPara="1" wrap="square" lIns="91425" tIns="91425" rIns="91425" bIns="91425" anchor="t" anchorCtr="0">
+            <a:noAutofit/>
+          </a:bodyPr>
+          <a:lstStyle/>
+          <a:p>
+            <a:pPr marL="0" lvl="0" indent="0" algn="l" rtl="0">
+              <a:lnSpc>
+                <a:spcPct val="115000"/>
+              </a:lnSpc>
+              <a:spcBef>
+                <a:spcPts val="0"/>
+              </a:spcBef>
+              <a:spcAft>
+                <a:spcPts val="1200"/>
+              </a:spcAft>
+              <a:buNone/>
+            </a:pPr>
+            <a:r>
+              <a:rPr lang="en">
+                <a:solidFill>
+                  <a:srgbClr val="595959"/>
+                </a:solidFill>
+              </a:rPr>
+              <a:t>https://towardsdatascience.com/what-makes-a-wine-good-ea370601a8e4</a:t>
+            </a:r>
+            <a:endParaRPr sz="400"/>
+          </a:p>
+        </p:txBody>
+      </p:sp>
+    </p:spTree>
+    <p:extLst>
+      <p:ext uri="{BB962C8B-B14F-4D97-AF65-F5344CB8AC3E}">
+        <p14:creationId xmlns:p14="http://schemas.microsoft.com/office/powerpoint/2010/main" val="202276296"/>
+      </p:ext>
+    </p:extLst>
   </p:cSld>
   <p:clrMapOvr>
     <a:masterClrMapping/>
@@ -1961,370 +2089,6 @@
 </file>
 
 <file path=ppt/slideLayouts/slideLayout10.xml><?xml version="1.0" encoding="utf-8"?>
-<p:sldLayout xmlns:a="http://schemas.openxmlformats.org/drawingml/2006/main" xmlns:r="http://schemas.openxmlformats.org/officeDocument/2006/relationships" xmlns:p="http://schemas.openxmlformats.org/presentationml/2006/main" matchingName="Big number">
-  <p:cSld name="BIG_NUMBER">
-    <p:spTree>
-      <p:nvGrpSpPr>
-        <p:cNvPr id="1" name="Shape 44"/>
-        <p:cNvGrpSpPr/>
-        <p:nvPr/>
-      </p:nvGrpSpPr>
-      <p:grpSpPr>
-        <a:xfrm>
-          <a:off x="0" y="0"/>
-          <a:ext cx="0" cy="0"/>
-          <a:chOff x="0" y="0"/>
-          <a:chExt cx="0" cy="0"/>
-        </a:xfrm>
-      </p:grpSpPr>
-      <p:sp>
-        <p:nvSpPr>
-          <p:cNvPr id="45" name="Google Shape;45;p11"/>
-          <p:cNvSpPr txBox="1">
-            <a:spLocks noGrp="1"/>
-          </p:cNvSpPr>
-          <p:nvPr>
-            <p:ph type="title" hasCustomPrompt="1"/>
-          </p:nvPr>
-        </p:nvSpPr>
-        <p:spPr>
-          <a:xfrm>
-            <a:off x="311700" y="1106125"/>
-            <a:ext cx="8520600" cy="1963500"/>
-          </a:xfrm>
-          <a:prstGeom prst="rect">
-            <a:avLst/>
-          </a:prstGeom>
-        </p:spPr>
-        <p:txBody>
-          <a:bodyPr spcFirstLastPara="1" wrap="square" lIns="91425" tIns="91425" rIns="91425" bIns="91425" anchor="b" anchorCtr="0">
-            <a:normAutofit/>
-          </a:bodyPr>
-          <a:lstStyle>
-            <a:lvl1pPr lvl="0" algn="ctr">
-              <a:spcBef>
-                <a:spcPts val="0"/>
-              </a:spcBef>
-              <a:spcAft>
-                <a:spcPts val="0"/>
-              </a:spcAft>
-              <a:buSzPts val="12000"/>
-              <a:buNone/>
-              <a:defRPr sz="12000"/>
-            </a:lvl1pPr>
-            <a:lvl2pPr lvl="1" algn="ctr">
-              <a:spcBef>
-                <a:spcPts val="0"/>
-              </a:spcBef>
-              <a:spcAft>
-                <a:spcPts val="0"/>
-              </a:spcAft>
-              <a:buSzPts val="12000"/>
-              <a:buNone/>
-              <a:defRPr sz="12000"/>
-            </a:lvl2pPr>
-            <a:lvl3pPr lvl="2" algn="ctr">
-              <a:spcBef>
-                <a:spcPts val="0"/>
-              </a:spcBef>
-              <a:spcAft>
-                <a:spcPts val="0"/>
-              </a:spcAft>
-              <a:buSzPts val="12000"/>
-              <a:buNone/>
-              <a:defRPr sz="12000"/>
-            </a:lvl3pPr>
-            <a:lvl4pPr lvl="3" algn="ctr">
-              <a:spcBef>
-                <a:spcPts val="0"/>
-              </a:spcBef>
-              <a:spcAft>
-                <a:spcPts val="0"/>
-              </a:spcAft>
-              <a:buSzPts val="12000"/>
-              <a:buNone/>
-              <a:defRPr sz="12000"/>
-            </a:lvl4pPr>
-            <a:lvl5pPr lvl="4" algn="ctr">
-              <a:spcBef>
-                <a:spcPts val="0"/>
-              </a:spcBef>
-              <a:spcAft>
-                <a:spcPts val="0"/>
-              </a:spcAft>
-              <a:buSzPts val="12000"/>
-              <a:buNone/>
-              <a:defRPr sz="12000"/>
-            </a:lvl5pPr>
-            <a:lvl6pPr lvl="5" algn="ctr">
-              <a:spcBef>
-                <a:spcPts val="0"/>
-              </a:spcBef>
-              <a:spcAft>
-                <a:spcPts val="0"/>
-              </a:spcAft>
-              <a:buSzPts val="12000"/>
-              <a:buNone/>
-              <a:defRPr sz="12000"/>
-            </a:lvl6pPr>
-            <a:lvl7pPr lvl="6" algn="ctr">
-              <a:spcBef>
-                <a:spcPts val="0"/>
-              </a:spcBef>
-              <a:spcAft>
-                <a:spcPts val="0"/>
-              </a:spcAft>
-              <a:buSzPts val="12000"/>
-              <a:buNone/>
-              <a:defRPr sz="12000"/>
-            </a:lvl7pPr>
-            <a:lvl8pPr lvl="7" algn="ctr">
-              <a:spcBef>
-                <a:spcPts val="0"/>
-              </a:spcBef>
-              <a:spcAft>
-                <a:spcPts val="0"/>
-              </a:spcAft>
-              <a:buSzPts val="12000"/>
-              <a:buNone/>
-              <a:defRPr sz="12000"/>
-            </a:lvl8pPr>
-            <a:lvl9pPr lvl="8" algn="ctr">
-              <a:spcBef>
-                <a:spcPts val="0"/>
-              </a:spcBef>
-              <a:spcAft>
-                <a:spcPts val="0"/>
-              </a:spcAft>
-              <a:buSzPts val="12000"/>
-              <a:buNone/>
-              <a:defRPr sz="12000"/>
-            </a:lvl9pPr>
-          </a:lstStyle>
-          <a:p>
-            <a:r>
-              <a:t>xx%</a:t>
-            </a:r>
-          </a:p>
-        </p:txBody>
-      </p:sp>
-      <p:sp>
-        <p:nvSpPr>
-          <p:cNvPr id="46" name="Google Shape;46;p11"/>
-          <p:cNvSpPr txBox="1">
-            <a:spLocks noGrp="1"/>
-          </p:cNvSpPr>
-          <p:nvPr>
-            <p:ph type="body" idx="1"/>
-          </p:nvPr>
-        </p:nvSpPr>
-        <p:spPr>
-          <a:xfrm>
-            <a:off x="311700" y="3152225"/>
-            <a:ext cx="8520600" cy="1300800"/>
-          </a:xfrm>
-          <a:prstGeom prst="rect">
-            <a:avLst/>
-          </a:prstGeom>
-        </p:spPr>
-        <p:txBody>
-          <a:bodyPr spcFirstLastPara="1" wrap="square" lIns="91425" tIns="91425" rIns="91425" bIns="91425" anchor="t" anchorCtr="0">
-            <a:normAutofit/>
-          </a:bodyPr>
-          <a:lstStyle>
-            <a:lvl1pPr marL="457200" lvl="0" indent="-342900" algn="ctr">
-              <a:spcBef>
-                <a:spcPts val="0"/>
-              </a:spcBef>
-              <a:spcAft>
-                <a:spcPts val="0"/>
-              </a:spcAft>
-              <a:buSzPts val="1800"/>
-              <a:buChar char="●"/>
-              <a:defRPr/>
-            </a:lvl1pPr>
-            <a:lvl2pPr marL="914400" lvl="1" indent="-317500" algn="ctr">
-              <a:spcBef>
-                <a:spcPts val="0"/>
-              </a:spcBef>
-              <a:spcAft>
-                <a:spcPts val="0"/>
-              </a:spcAft>
-              <a:buSzPts val="1400"/>
-              <a:buChar char="○"/>
-              <a:defRPr/>
-            </a:lvl2pPr>
-            <a:lvl3pPr marL="1371600" lvl="2" indent="-317500" algn="ctr">
-              <a:spcBef>
-                <a:spcPts val="0"/>
-              </a:spcBef>
-              <a:spcAft>
-                <a:spcPts val="0"/>
-              </a:spcAft>
-              <a:buSzPts val="1400"/>
-              <a:buChar char="■"/>
-              <a:defRPr/>
-            </a:lvl3pPr>
-            <a:lvl4pPr marL="1828800" lvl="3" indent="-317500" algn="ctr">
-              <a:spcBef>
-                <a:spcPts val="0"/>
-              </a:spcBef>
-              <a:spcAft>
-                <a:spcPts val="0"/>
-              </a:spcAft>
-              <a:buSzPts val="1400"/>
-              <a:buChar char="●"/>
-              <a:defRPr/>
-            </a:lvl4pPr>
-            <a:lvl5pPr marL="2286000" lvl="4" indent="-317500" algn="ctr">
-              <a:spcBef>
-                <a:spcPts val="0"/>
-              </a:spcBef>
-              <a:spcAft>
-                <a:spcPts val="0"/>
-              </a:spcAft>
-              <a:buSzPts val="1400"/>
-              <a:buChar char="○"/>
-              <a:defRPr/>
-            </a:lvl5pPr>
-            <a:lvl6pPr marL="2743200" lvl="5" indent="-317500" algn="ctr">
-              <a:spcBef>
-                <a:spcPts val="0"/>
-              </a:spcBef>
-              <a:spcAft>
-                <a:spcPts val="0"/>
-              </a:spcAft>
-              <a:buSzPts val="1400"/>
-              <a:buChar char="■"/>
-              <a:defRPr/>
-            </a:lvl6pPr>
-            <a:lvl7pPr marL="3200400" lvl="6" indent="-317500" algn="ctr">
-              <a:spcBef>
-                <a:spcPts val="0"/>
-              </a:spcBef>
-              <a:spcAft>
-                <a:spcPts val="0"/>
-              </a:spcAft>
-              <a:buSzPts val="1400"/>
-              <a:buChar char="●"/>
-              <a:defRPr/>
-            </a:lvl7pPr>
-            <a:lvl8pPr marL="3657600" lvl="7" indent="-317500" algn="ctr">
-              <a:spcBef>
-                <a:spcPts val="0"/>
-              </a:spcBef>
-              <a:spcAft>
-                <a:spcPts val="0"/>
-              </a:spcAft>
-              <a:buSzPts val="1400"/>
-              <a:buChar char="○"/>
-              <a:defRPr/>
-            </a:lvl8pPr>
-            <a:lvl9pPr marL="4114800" lvl="8" indent="-317500" algn="ctr">
-              <a:spcBef>
-                <a:spcPts val="0"/>
-              </a:spcBef>
-              <a:spcAft>
-                <a:spcPts val="0"/>
-              </a:spcAft>
-              <a:buSzPts val="1400"/>
-              <a:buChar char="■"/>
-              <a:defRPr/>
-            </a:lvl9pPr>
-          </a:lstStyle>
-          <a:p>
-            <a:endParaRPr/>
-          </a:p>
-        </p:txBody>
-      </p:sp>
-      <p:sp>
-        <p:nvSpPr>
-          <p:cNvPr id="47" name="Google Shape;47;p11"/>
-          <p:cNvSpPr txBox="1">
-            <a:spLocks noGrp="1"/>
-          </p:cNvSpPr>
-          <p:nvPr>
-            <p:ph type="sldNum" idx="12"/>
-          </p:nvPr>
-        </p:nvSpPr>
-        <p:spPr>
-          <a:xfrm>
-            <a:off x="8472458" y="4663217"/>
-            <a:ext cx="548700" cy="393600"/>
-          </a:xfrm>
-          <a:prstGeom prst="rect">
-            <a:avLst/>
-          </a:prstGeom>
-        </p:spPr>
-        <p:txBody>
-          <a:bodyPr spcFirstLastPara="1" wrap="square" lIns="91425" tIns="91425" rIns="91425" bIns="91425" anchor="ctr" anchorCtr="0">
-            <a:normAutofit/>
-          </a:bodyPr>
-          <a:lstStyle>
-            <a:lvl1pPr lvl="0">
-              <a:buNone/>
-              <a:defRPr/>
-            </a:lvl1pPr>
-            <a:lvl2pPr lvl="1">
-              <a:buNone/>
-              <a:defRPr/>
-            </a:lvl2pPr>
-            <a:lvl3pPr lvl="2">
-              <a:buNone/>
-              <a:defRPr/>
-            </a:lvl3pPr>
-            <a:lvl4pPr lvl="3">
-              <a:buNone/>
-              <a:defRPr/>
-            </a:lvl4pPr>
-            <a:lvl5pPr lvl="4">
-              <a:buNone/>
-              <a:defRPr/>
-            </a:lvl5pPr>
-            <a:lvl6pPr lvl="5">
-              <a:buNone/>
-              <a:defRPr/>
-            </a:lvl6pPr>
-            <a:lvl7pPr lvl="6">
-              <a:buNone/>
-              <a:defRPr/>
-            </a:lvl7pPr>
-            <a:lvl8pPr lvl="7">
-              <a:buNone/>
-              <a:defRPr/>
-            </a:lvl8pPr>
-            <a:lvl9pPr lvl="8">
-              <a:buNone/>
-              <a:defRPr/>
-            </a:lvl9pPr>
-          </a:lstStyle>
-          <a:p>
-            <a:pPr marL="0" lvl="0" indent="0" algn="r" rtl="0">
-              <a:spcBef>
-                <a:spcPts val="0"/>
-              </a:spcBef>
-              <a:spcAft>
-                <a:spcPts val="0"/>
-              </a:spcAft>
-              <a:buNone/>
-            </a:pPr>
-            <a:fld id="{00000000-1234-1234-1234-123412341234}" type="slidenum">
-              <a:rPr lang="en"/>
-              <a:t>‹#›</a:t>
-            </a:fld>
-            <a:endParaRPr/>
-          </a:p>
-        </p:txBody>
-      </p:sp>
-    </p:spTree>
-  </p:cSld>
-  <p:clrMapOvr>
-    <a:masterClrMapping/>
-  </p:clrMapOvr>
-</p:sldLayout>
-</file>
-
-<file path=ppt/slideLayouts/slideLayout11.xml><?xml version="1.0" encoding="utf-8"?>
 <p:sldLayout xmlns:a="http://schemas.openxmlformats.org/drawingml/2006/main" xmlns:r="http://schemas.openxmlformats.org/officeDocument/2006/relationships" xmlns:p="http://schemas.openxmlformats.org/presentationml/2006/main" matchingName="Blank" type="blank">
   <p:cSld name="BLANK">
     <p:spTree>
@@ -3024,497 +2788,6 @@
 </file>
 
 <file path=ppt/slideLayouts/slideLayout4.xml><?xml version="1.0" encoding="utf-8"?>
-<p:sldLayout xmlns:a="http://schemas.openxmlformats.org/drawingml/2006/main" xmlns:r="http://schemas.openxmlformats.org/officeDocument/2006/relationships" xmlns:p="http://schemas.openxmlformats.org/presentationml/2006/main" matchingName="Title and two columns" type="twoColTx">
-  <p:cSld name="TITLE_AND_TWO_COLUMNS">
-    <p:spTree>
-      <p:nvGrpSpPr>
-        <p:cNvPr id="1" name="Shape 20"/>
-        <p:cNvGrpSpPr/>
-        <p:nvPr/>
-      </p:nvGrpSpPr>
-      <p:grpSpPr>
-        <a:xfrm>
-          <a:off x="0" y="0"/>
-          <a:ext cx="0" cy="0"/>
-          <a:chOff x="0" y="0"/>
-          <a:chExt cx="0" cy="0"/>
-        </a:xfrm>
-      </p:grpSpPr>
-      <p:sp>
-        <p:nvSpPr>
-          <p:cNvPr id="21" name="Google Shape;21;p5"/>
-          <p:cNvSpPr txBox="1">
-            <a:spLocks noGrp="1"/>
-          </p:cNvSpPr>
-          <p:nvPr>
-            <p:ph type="title"/>
-          </p:nvPr>
-        </p:nvSpPr>
-        <p:spPr>
-          <a:xfrm>
-            <a:off x="311700" y="445025"/>
-            <a:ext cx="8520600" cy="572700"/>
-          </a:xfrm>
-          <a:prstGeom prst="rect">
-            <a:avLst/>
-          </a:prstGeom>
-        </p:spPr>
-        <p:txBody>
-          <a:bodyPr spcFirstLastPara="1" wrap="square" lIns="91425" tIns="91425" rIns="91425" bIns="91425" anchor="t" anchorCtr="0">
-            <a:normAutofit/>
-          </a:bodyPr>
-          <a:lstStyle>
-            <a:lvl1pPr lvl="0">
-              <a:spcBef>
-                <a:spcPts val="0"/>
-              </a:spcBef>
-              <a:spcAft>
-                <a:spcPts val="0"/>
-              </a:spcAft>
-              <a:buSzPts val="2800"/>
-              <a:buNone/>
-              <a:defRPr/>
-            </a:lvl1pPr>
-            <a:lvl2pPr lvl="1">
-              <a:spcBef>
-                <a:spcPts val="0"/>
-              </a:spcBef>
-              <a:spcAft>
-                <a:spcPts val="0"/>
-              </a:spcAft>
-              <a:buSzPts val="2800"/>
-              <a:buNone/>
-              <a:defRPr/>
-            </a:lvl2pPr>
-            <a:lvl3pPr lvl="2">
-              <a:spcBef>
-                <a:spcPts val="0"/>
-              </a:spcBef>
-              <a:spcAft>
-                <a:spcPts val="0"/>
-              </a:spcAft>
-              <a:buSzPts val="2800"/>
-              <a:buNone/>
-              <a:defRPr/>
-            </a:lvl3pPr>
-            <a:lvl4pPr lvl="3">
-              <a:spcBef>
-                <a:spcPts val="0"/>
-              </a:spcBef>
-              <a:spcAft>
-                <a:spcPts val="0"/>
-              </a:spcAft>
-              <a:buSzPts val="2800"/>
-              <a:buNone/>
-              <a:defRPr/>
-            </a:lvl4pPr>
-            <a:lvl5pPr lvl="4">
-              <a:spcBef>
-                <a:spcPts val="0"/>
-              </a:spcBef>
-              <a:spcAft>
-                <a:spcPts val="0"/>
-              </a:spcAft>
-              <a:buSzPts val="2800"/>
-              <a:buNone/>
-              <a:defRPr/>
-            </a:lvl5pPr>
-            <a:lvl6pPr lvl="5">
-              <a:spcBef>
-                <a:spcPts val="0"/>
-              </a:spcBef>
-              <a:spcAft>
-                <a:spcPts val="0"/>
-              </a:spcAft>
-              <a:buSzPts val="2800"/>
-              <a:buNone/>
-              <a:defRPr/>
-            </a:lvl6pPr>
-            <a:lvl7pPr lvl="6">
-              <a:spcBef>
-                <a:spcPts val="0"/>
-              </a:spcBef>
-              <a:spcAft>
-                <a:spcPts val="0"/>
-              </a:spcAft>
-              <a:buSzPts val="2800"/>
-              <a:buNone/>
-              <a:defRPr/>
-            </a:lvl7pPr>
-            <a:lvl8pPr lvl="7">
-              <a:spcBef>
-                <a:spcPts val="0"/>
-              </a:spcBef>
-              <a:spcAft>
-                <a:spcPts val="0"/>
-              </a:spcAft>
-              <a:buSzPts val="2800"/>
-              <a:buNone/>
-              <a:defRPr/>
-            </a:lvl8pPr>
-            <a:lvl9pPr lvl="8">
-              <a:spcBef>
-                <a:spcPts val="0"/>
-              </a:spcBef>
-              <a:spcAft>
-                <a:spcPts val="0"/>
-              </a:spcAft>
-              <a:buSzPts val="2800"/>
-              <a:buNone/>
-              <a:defRPr/>
-            </a:lvl9pPr>
-          </a:lstStyle>
-          <a:p>
-            <a:endParaRPr/>
-          </a:p>
-        </p:txBody>
-      </p:sp>
-      <p:sp>
-        <p:nvSpPr>
-          <p:cNvPr id="22" name="Google Shape;22;p5"/>
-          <p:cNvSpPr txBox="1">
-            <a:spLocks noGrp="1"/>
-          </p:cNvSpPr>
-          <p:nvPr>
-            <p:ph type="body" idx="1"/>
-          </p:nvPr>
-        </p:nvSpPr>
-        <p:spPr>
-          <a:xfrm>
-            <a:off x="311700" y="1152475"/>
-            <a:ext cx="3999900" cy="3416400"/>
-          </a:xfrm>
-          <a:prstGeom prst="rect">
-            <a:avLst/>
-          </a:prstGeom>
-        </p:spPr>
-        <p:txBody>
-          <a:bodyPr spcFirstLastPara="1" wrap="square" lIns="91425" tIns="91425" rIns="91425" bIns="91425" anchor="t" anchorCtr="0">
-            <a:normAutofit/>
-          </a:bodyPr>
-          <a:lstStyle>
-            <a:lvl1pPr marL="457200" lvl="0" indent="-317500">
-              <a:spcBef>
-                <a:spcPts val="0"/>
-              </a:spcBef>
-              <a:spcAft>
-                <a:spcPts val="0"/>
-              </a:spcAft>
-              <a:buSzPts val="1400"/>
-              <a:buChar char="●"/>
-              <a:defRPr sz="1400"/>
-            </a:lvl1pPr>
-            <a:lvl2pPr marL="914400" lvl="1" indent="-304800">
-              <a:spcBef>
-                <a:spcPts val="0"/>
-              </a:spcBef>
-              <a:spcAft>
-                <a:spcPts val="0"/>
-              </a:spcAft>
-              <a:buSzPts val="1200"/>
-              <a:buChar char="○"/>
-              <a:defRPr sz="1200"/>
-            </a:lvl2pPr>
-            <a:lvl3pPr marL="1371600" lvl="2" indent="-304800">
-              <a:spcBef>
-                <a:spcPts val="0"/>
-              </a:spcBef>
-              <a:spcAft>
-                <a:spcPts val="0"/>
-              </a:spcAft>
-              <a:buSzPts val="1200"/>
-              <a:buChar char="■"/>
-              <a:defRPr sz="1200"/>
-            </a:lvl3pPr>
-            <a:lvl4pPr marL="1828800" lvl="3" indent="-304800">
-              <a:spcBef>
-                <a:spcPts val="0"/>
-              </a:spcBef>
-              <a:spcAft>
-                <a:spcPts val="0"/>
-              </a:spcAft>
-              <a:buSzPts val="1200"/>
-              <a:buChar char="●"/>
-              <a:defRPr sz="1200"/>
-            </a:lvl4pPr>
-            <a:lvl5pPr marL="2286000" lvl="4" indent="-304800">
-              <a:spcBef>
-                <a:spcPts val="0"/>
-              </a:spcBef>
-              <a:spcAft>
-                <a:spcPts val="0"/>
-              </a:spcAft>
-              <a:buSzPts val="1200"/>
-              <a:buChar char="○"/>
-              <a:defRPr sz="1200"/>
-            </a:lvl5pPr>
-            <a:lvl6pPr marL="2743200" lvl="5" indent="-304800">
-              <a:spcBef>
-                <a:spcPts val="0"/>
-              </a:spcBef>
-              <a:spcAft>
-                <a:spcPts val="0"/>
-              </a:spcAft>
-              <a:buSzPts val="1200"/>
-              <a:buChar char="■"/>
-              <a:defRPr sz="1200"/>
-            </a:lvl6pPr>
-            <a:lvl7pPr marL="3200400" lvl="6" indent="-304800">
-              <a:spcBef>
-                <a:spcPts val="0"/>
-              </a:spcBef>
-              <a:spcAft>
-                <a:spcPts val="0"/>
-              </a:spcAft>
-              <a:buSzPts val="1200"/>
-              <a:buChar char="●"/>
-              <a:defRPr sz="1200"/>
-            </a:lvl7pPr>
-            <a:lvl8pPr marL="3657600" lvl="7" indent="-304800">
-              <a:spcBef>
-                <a:spcPts val="0"/>
-              </a:spcBef>
-              <a:spcAft>
-                <a:spcPts val="0"/>
-              </a:spcAft>
-              <a:buSzPts val="1200"/>
-              <a:buChar char="○"/>
-              <a:defRPr sz="1200"/>
-            </a:lvl8pPr>
-            <a:lvl9pPr marL="4114800" lvl="8" indent="-304800">
-              <a:spcBef>
-                <a:spcPts val="0"/>
-              </a:spcBef>
-              <a:spcAft>
-                <a:spcPts val="0"/>
-              </a:spcAft>
-              <a:buSzPts val="1200"/>
-              <a:buChar char="■"/>
-              <a:defRPr sz="1200"/>
-            </a:lvl9pPr>
-          </a:lstStyle>
-          <a:p>
-            <a:endParaRPr/>
-          </a:p>
-        </p:txBody>
-      </p:sp>
-      <p:sp>
-        <p:nvSpPr>
-          <p:cNvPr id="23" name="Google Shape;23;p5"/>
-          <p:cNvSpPr txBox="1">
-            <a:spLocks noGrp="1"/>
-          </p:cNvSpPr>
-          <p:nvPr>
-            <p:ph type="body" idx="2"/>
-          </p:nvPr>
-        </p:nvSpPr>
-        <p:spPr>
-          <a:xfrm>
-            <a:off x="4832400" y="1152475"/>
-            <a:ext cx="3999900" cy="3416400"/>
-          </a:xfrm>
-          <a:prstGeom prst="rect">
-            <a:avLst/>
-          </a:prstGeom>
-        </p:spPr>
-        <p:txBody>
-          <a:bodyPr spcFirstLastPara="1" wrap="square" lIns="91425" tIns="91425" rIns="91425" bIns="91425" anchor="t" anchorCtr="0">
-            <a:normAutofit/>
-          </a:bodyPr>
-          <a:lstStyle>
-            <a:lvl1pPr marL="457200" lvl="0" indent="-317500">
-              <a:spcBef>
-                <a:spcPts val="0"/>
-              </a:spcBef>
-              <a:spcAft>
-                <a:spcPts val="0"/>
-              </a:spcAft>
-              <a:buSzPts val="1400"/>
-              <a:buChar char="●"/>
-              <a:defRPr sz="1400"/>
-            </a:lvl1pPr>
-            <a:lvl2pPr marL="914400" lvl="1" indent="-304800">
-              <a:spcBef>
-                <a:spcPts val="0"/>
-              </a:spcBef>
-              <a:spcAft>
-                <a:spcPts val="0"/>
-              </a:spcAft>
-              <a:buSzPts val="1200"/>
-              <a:buChar char="○"/>
-              <a:defRPr sz="1200"/>
-            </a:lvl2pPr>
-            <a:lvl3pPr marL="1371600" lvl="2" indent="-304800">
-              <a:spcBef>
-                <a:spcPts val="0"/>
-              </a:spcBef>
-              <a:spcAft>
-                <a:spcPts val="0"/>
-              </a:spcAft>
-              <a:buSzPts val="1200"/>
-              <a:buChar char="■"/>
-              <a:defRPr sz="1200"/>
-            </a:lvl3pPr>
-            <a:lvl4pPr marL="1828800" lvl="3" indent="-304800">
-              <a:spcBef>
-                <a:spcPts val="0"/>
-              </a:spcBef>
-              <a:spcAft>
-                <a:spcPts val="0"/>
-              </a:spcAft>
-              <a:buSzPts val="1200"/>
-              <a:buChar char="●"/>
-              <a:defRPr sz="1200"/>
-            </a:lvl4pPr>
-            <a:lvl5pPr marL="2286000" lvl="4" indent="-304800">
-              <a:spcBef>
-                <a:spcPts val="0"/>
-              </a:spcBef>
-              <a:spcAft>
-                <a:spcPts val="0"/>
-              </a:spcAft>
-              <a:buSzPts val="1200"/>
-              <a:buChar char="○"/>
-              <a:defRPr sz="1200"/>
-            </a:lvl5pPr>
-            <a:lvl6pPr marL="2743200" lvl="5" indent="-304800">
-              <a:spcBef>
-                <a:spcPts val="0"/>
-              </a:spcBef>
-              <a:spcAft>
-                <a:spcPts val="0"/>
-              </a:spcAft>
-              <a:buSzPts val="1200"/>
-              <a:buChar char="■"/>
-              <a:defRPr sz="1200"/>
-            </a:lvl6pPr>
-            <a:lvl7pPr marL="3200400" lvl="6" indent="-304800">
-              <a:spcBef>
-                <a:spcPts val="0"/>
-              </a:spcBef>
-              <a:spcAft>
-                <a:spcPts val="0"/>
-              </a:spcAft>
-              <a:buSzPts val="1200"/>
-              <a:buChar char="●"/>
-              <a:defRPr sz="1200"/>
-            </a:lvl7pPr>
-            <a:lvl8pPr marL="3657600" lvl="7" indent="-304800">
-              <a:spcBef>
-                <a:spcPts val="0"/>
-              </a:spcBef>
-              <a:spcAft>
-                <a:spcPts val="0"/>
-              </a:spcAft>
-              <a:buSzPts val="1200"/>
-              <a:buChar char="○"/>
-              <a:defRPr sz="1200"/>
-            </a:lvl8pPr>
-            <a:lvl9pPr marL="4114800" lvl="8" indent="-304800">
-              <a:spcBef>
-                <a:spcPts val="0"/>
-              </a:spcBef>
-              <a:spcAft>
-                <a:spcPts val="0"/>
-              </a:spcAft>
-              <a:buSzPts val="1200"/>
-              <a:buChar char="■"/>
-              <a:defRPr sz="1200"/>
-            </a:lvl9pPr>
-          </a:lstStyle>
-          <a:p>
-            <a:endParaRPr/>
-          </a:p>
-        </p:txBody>
-      </p:sp>
-      <p:sp>
-        <p:nvSpPr>
-          <p:cNvPr id="24" name="Google Shape;24;p5"/>
-          <p:cNvSpPr txBox="1">
-            <a:spLocks noGrp="1"/>
-          </p:cNvSpPr>
-          <p:nvPr>
-            <p:ph type="sldNum" idx="12"/>
-          </p:nvPr>
-        </p:nvSpPr>
-        <p:spPr>
-          <a:xfrm>
-            <a:off x="8472458" y="4663217"/>
-            <a:ext cx="548700" cy="393600"/>
-          </a:xfrm>
-          <a:prstGeom prst="rect">
-            <a:avLst/>
-          </a:prstGeom>
-        </p:spPr>
-        <p:txBody>
-          <a:bodyPr spcFirstLastPara="1" wrap="square" lIns="91425" tIns="91425" rIns="91425" bIns="91425" anchor="ctr" anchorCtr="0">
-            <a:normAutofit/>
-          </a:bodyPr>
-          <a:lstStyle>
-            <a:lvl1pPr lvl="0">
-              <a:buNone/>
-              <a:defRPr/>
-            </a:lvl1pPr>
-            <a:lvl2pPr lvl="1">
-              <a:buNone/>
-              <a:defRPr/>
-            </a:lvl2pPr>
-            <a:lvl3pPr lvl="2">
-              <a:buNone/>
-              <a:defRPr/>
-            </a:lvl3pPr>
-            <a:lvl4pPr lvl="3">
-              <a:buNone/>
-              <a:defRPr/>
-            </a:lvl4pPr>
-            <a:lvl5pPr lvl="4">
-              <a:buNone/>
-              <a:defRPr/>
-            </a:lvl5pPr>
-            <a:lvl6pPr lvl="5">
-              <a:buNone/>
-              <a:defRPr/>
-            </a:lvl6pPr>
-            <a:lvl7pPr lvl="6">
-              <a:buNone/>
-              <a:defRPr/>
-            </a:lvl7pPr>
-            <a:lvl8pPr lvl="7">
-              <a:buNone/>
-              <a:defRPr/>
-            </a:lvl8pPr>
-            <a:lvl9pPr lvl="8">
-              <a:buNone/>
-              <a:defRPr/>
-            </a:lvl9pPr>
-          </a:lstStyle>
-          <a:p>
-            <a:pPr marL="0" lvl="0" indent="0" algn="r" rtl="0">
-              <a:spcBef>
-                <a:spcPts val="0"/>
-              </a:spcBef>
-              <a:spcAft>
-                <a:spcPts val="0"/>
-              </a:spcAft>
-              <a:buNone/>
-            </a:pPr>
-            <a:fld id="{00000000-1234-1234-1234-123412341234}" type="slidenum">
-              <a:rPr lang="en"/>
-              <a:t>‹#›</a:t>
-            </a:fld>
-            <a:endParaRPr/>
-          </a:p>
-        </p:txBody>
-      </p:sp>
-    </p:spTree>
-  </p:cSld>
-  <p:clrMapOvr>
-    <a:masterClrMapping/>
-  </p:clrMapOvr>
-</p:sldLayout>
-</file>
-
-<file path=ppt/slideLayouts/slideLayout5.xml><?xml version="1.0" encoding="utf-8"?>
 <p:sldLayout xmlns:a="http://schemas.openxmlformats.org/drawingml/2006/main" xmlns:r="http://schemas.openxmlformats.org/officeDocument/2006/relationships" xmlns:p="http://schemas.openxmlformats.org/presentationml/2006/main" matchingName="Title only" type="titleOnly">
   <p:cSld name="TITLE_ONLY">
     <p:spTree>
@@ -3747,7 +3020,7 @@
 </p:sldLayout>
 </file>
 
-<file path=ppt/slideLayouts/slideLayout6.xml><?xml version="1.0" encoding="utf-8"?>
+<file path=ppt/slideLayouts/slideLayout5.xml><?xml version="1.0" encoding="utf-8"?>
 <p:sldLayout xmlns:a="http://schemas.openxmlformats.org/drawingml/2006/main" xmlns:r="http://schemas.openxmlformats.org/officeDocument/2006/relationships" xmlns:p="http://schemas.openxmlformats.org/presentationml/2006/main" matchingName="One column text">
   <p:cSld name="ONE_COLUMN_TEXT">
     <p:spTree>
@@ -4109,7 +3382,7 @@
 </p:sldLayout>
 </file>
 
-<file path=ppt/slideLayouts/slideLayout7.xml><?xml version="1.0" encoding="utf-8"?>
+<file path=ppt/slideLayouts/slideLayout6.xml><?xml version="1.0" encoding="utf-8"?>
 <p:sldLayout xmlns:a="http://schemas.openxmlformats.org/drawingml/2006/main" xmlns:r="http://schemas.openxmlformats.org/officeDocument/2006/relationships" xmlns:p="http://schemas.openxmlformats.org/presentationml/2006/main" matchingName="Main point">
   <p:cSld name="MAIN_POINT">
     <p:spTree>
@@ -4342,7 +3615,7 @@
 </p:sldLayout>
 </file>
 
-<file path=ppt/slideLayouts/slideLayout8.xml><?xml version="1.0" encoding="utf-8"?>
+<file path=ppt/slideLayouts/slideLayout7.xml><?xml version="1.0" encoding="utf-8"?>
 <p:sldLayout xmlns:a="http://schemas.openxmlformats.org/drawingml/2006/main" xmlns:r="http://schemas.openxmlformats.org/officeDocument/2006/relationships" xmlns:p="http://schemas.openxmlformats.org/presentationml/2006/main" matchingName="Section title and description">
   <p:cSld name="SECTION_TITLE_AND_DESCRIPTION">
     <p:spTree>
@@ -4900,7 +4173,7 @@
 </p:sldLayout>
 </file>
 
-<file path=ppt/slideLayouts/slideLayout9.xml><?xml version="1.0" encoding="utf-8"?>
+<file path=ppt/slideLayouts/slideLayout8.xml><?xml version="1.0" encoding="utf-8"?>
 <p:sldLayout xmlns:a="http://schemas.openxmlformats.org/drawingml/2006/main" xmlns:r="http://schemas.openxmlformats.org/officeDocument/2006/relationships" xmlns:p="http://schemas.openxmlformats.org/presentationml/2006/main" matchingName="Caption">
   <p:cSld name="CAPTION_ONLY">
     <p:spTree>
@@ -4964,6 +4237,370 @@
       <p:sp>
         <p:nvSpPr>
           <p:cNvPr id="43" name="Google Shape;43;p10"/>
+          <p:cNvSpPr txBox="1">
+            <a:spLocks noGrp="1"/>
+          </p:cNvSpPr>
+          <p:nvPr>
+            <p:ph type="sldNum" idx="12"/>
+          </p:nvPr>
+        </p:nvSpPr>
+        <p:spPr>
+          <a:xfrm>
+            <a:off x="8472458" y="4663217"/>
+            <a:ext cx="548700" cy="393600"/>
+          </a:xfrm>
+          <a:prstGeom prst="rect">
+            <a:avLst/>
+          </a:prstGeom>
+        </p:spPr>
+        <p:txBody>
+          <a:bodyPr spcFirstLastPara="1" wrap="square" lIns="91425" tIns="91425" rIns="91425" bIns="91425" anchor="ctr" anchorCtr="0">
+            <a:normAutofit/>
+          </a:bodyPr>
+          <a:lstStyle>
+            <a:lvl1pPr lvl="0">
+              <a:buNone/>
+              <a:defRPr/>
+            </a:lvl1pPr>
+            <a:lvl2pPr lvl="1">
+              <a:buNone/>
+              <a:defRPr/>
+            </a:lvl2pPr>
+            <a:lvl3pPr lvl="2">
+              <a:buNone/>
+              <a:defRPr/>
+            </a:lvl3pPr>
+            <a:lvl4pPr lvl="3">
+              <a:buNone/>
+              <a:defRPr/>
+            </a:lvl4pPr>
+            <a:lvl5pPr lvl="4">
+              <a:buNone/>
+              <a:defRPr/>
+            </a:lvl5pPr>
+            <a:lvl6pPr lvl="5">
+              <a:buNone/>
+              <a:defRPr/>
+            </a:lvl6pPr>
+            <a:lvl7pPr lvl="6">
+              <a:buNone/>
+              <a:defRPr/>
+            </a:lvl7pPr>
+            <a:lvl8pPr lvl="7">
+              <a:buNone/>
+              <a:defRPr/>
+            </a:lvl8pPr>
+            <a:lvl9pPr lvl="8">
+              <a:buNone/>
+              <a:defRPr/>
+            </a:lvl9pPr>
+          </a:lstStyle>
+          <a:p>
+            <a:pPr marL="0" lvl="0" indent="0" algn="r" rtl="0">
+              <a:spcBef>
+                <a:spcPts val="0"/>
+              </a:spcBef>
+              <a:spcAft>
+                <a:spcPts val="0"/>
+              </a:spcAft>
+              <a:buNone/>
+            </a:pPr>
+            <a:fld id="{00000000-1234-1234-1234-123412341234}" type="slidenum">
+              <a:rPr lang="en"/>
+              <a:t>‹#›</a:t>
+            </a:fld>
+            <a:endParaRPr/>
+          </a:p>
+        </p:txBody>
+      </p:sp>
+    </p:spTree>
+  </p:cSld>
+  <p:clrMapOvr>
+    <a:masterClrMapping/>
+  </p:clrMapOvr>
+</p:sldLayout>
+</file>
+
+<file path=ppt/slideLayouts/slideLayout9.xml><?xml version="1.0" encoding="utf-8"?>
+<p:sldLayout xmlns:a="http://schemas.openxmlformats.org/drawingml/2006/main" xmlns:r="http://schemas.openxmlformats.org/officeDocument/2006/relationships" xmlns:p="http://schemas.openxmlformats.org/presentationml/2006/main" matchingName="Big number">
+  <p:cSld name="BIG_NUMBER">
+    <p:spTree>
+      <p:nvGrpSpPr>
+        <p:cNvPr id="1" name="Shape 44"/>
+        <p:cNvGrpSpPr/>
+        <p:nvPr/>
+      </p:nvGrpSpPr>
+      <p:grpSpPr>
+        <a:xfrm>
+          <a:off x="0" y="0"/>
+          <a:ext cx="0" cy="0"/>
+          <a:chOff x="0" y="0"/>
+          <a:chExt cx="0" cy="0"/>
+        </a:xfrm>
+      </p:grpSpPr>
+      <p:sp>
+        <p:nvSpPr>
+          <p:cNvPr id="45" name="Google Shape;45;p11"/>
+          <p:cNvSpPr txBox="1">
+            <a:spLocks noGrp="1"/>
+          </p:cNvSpPr>
+          <p:nvPr>
+            <p:ph type="title" hasCustomPrompt="1"/>
+          </p:nvPr>
+        </p:nvSpPr>
+        <p:spPr>
+          <a:xfrm>
+            <a:off x="311700" y="1106125"/>
+            <a:ext cx="8520600" cy="1963500"/>
+          </a:xfrm>
+          <a:prstGeom prst="rect">
+            <a:avLst/>
+          </a:prstGeom>
+        </p:spPr>
+        <p:txBody>
+          <a:bodyPr spcFirstLastPara="1" wrap="square" lIns="91425" tIns="91425" rIns="91425" bIns="91425" anchor="b" anchorCtr="0">
+            <a:normAutofit/>
+          </a:bodyPr>
+          <a:lstStyle>
+            <a:lvl1pPr lvl="0" algn="ctr">
+              <a:spcBef>
+                <a:spcPts val="0"/>
+              </a:spcBef>
+              <a:spcAft>
+                <a:spcPts val="0"/>
+              </a:spcAft>
+              <a:buSzPts val="12000"/>
+              <a:buNone/>
+              <a:defRPr sz="12000"/>
+            </a:lvl1pPr>
+            <a:lvl2pPr lvl="1" algn="ctr">
+              <a:spcBef>
+                <a:spcPts val="0"/>
+              </a:spcBef>
+              <a:spcAft>
+                <a:spcPts val="0"/>
+              </a:spcAft>
+              <a:buSzPts val="12000"/>
+              <a:buNone/>
+              <a:defRPr sz="12000"/>
+            </a:lvl2pPr>
+            <a:lvl3pPr lvl="2" algn="ctr">
+              <a:spcBef>
+                <a:spcPts val="0"/>
+              </a:spcBef>
+              <a:spcAft>
+                <a:spcPts val="0"/>
+              </a:spcAft>
+              <a:buSzPts val="12000"/>
+              <a:buNone/>
+              <a:defRPr sz="12000"/>
+            </a:lvl3pPr>
+            <a:lvl4pPr lvl="3" algn="ctr">
+              <a:spcBef>
+                <a:spcPts val="0"/>
+              </a:spcBef>
+              <a:spcAft>
+                <a:spcPts val="0"/>
+              </a:spcAft>
+              <a:buSzPts val="12000"/>
+              <a:buNone/>
+              <a:defRPr sz="12000"/>
+            </a:lvl4pPr>
+            <a:lvl5pPr lvl="4" algn="ctr">
+              <a:spcBef>
+                <a:spcPts val="0"/>
+              </a:spcBef>
+              <a:spcAft>
+                <a:spcPts val="0"/>
+              </a:spcAft>
+              <a:buSzPts val="12000"/>
+              <a:buNone/>
+              <a:defRPr sz="12000"/>
+            </a:lvl5pPr>
+            <a:lvl6pPr lvl="5" algn="ctr">
+              <a:spcBef>
+                <a:spcPts val="0"/>
+              </a:spcBef>
+              <a:spcAft>
+                <a:spcPts val="0"/>
+              </a:spcAft>
+              <a:buSzPts val="12000"/>
+              <a:buNone/>
+              <a:defRPr sz="12000"/>
+            </a:lvl6pPr>
+            <a:lvl7pPr lvl="6" algn="ctr">
+              <a:spcBef>
+                <a:spcPts val="0"/>
+              </a:spcBef>
+              <a:spcAft>
+                <a:spcPts val="0"/>
+              </a:spcAft>
+              <a:buSzPts val="12000"/>
+              <a:buNone/>
+              <a:defRPr sz="12000"/>
+            </a:lvl7pPr>
+            <a:lvl8pPr lvl="7" algn="ctr">
+              <a:spcBef>
+                <a:spcPts val="0"/>
+              </a:spcBef>
+              <a:spcAft>
+                <a:spcPts val="0"/>
+              </a:spcAft>
+              <a:buSzPts val="12000"/>
+              <a:buNone/>
+              <a:defRPr sz="12000"/>
+            </a:lvl8pPr>
+            <a:lvl9pPr lvl="8" algn="ctr">
+              <a:spcBef>
+                <a:spcPts val="0"/>
+              </a:spcBef>
+              <a:spcAft>
+                <a:spcPts val="0"/>
+              </a:spcAft>
+              <a:buSzPts val="12000"/>
+              <a:buNone/>
+              <a:defRPr sz="12000"/>
+            </a:lvl9pPr>
+          </a:lstStyle>
+          <a:p>
+            <a:r>
+              <a:t>xx%</a:t>
+            </a:r>
+          </a:p>
+        </p:txBody>
+      </p:sp>
+      <p:sp>
+        <p:nvSpPr>
+          <p:cNvPr id="46" name="Google Shape;46;p11"/>
+          <p:cNvSpPr txBox="1">
+            <a:spLocks noGrp="1"/>
+          </p:cNvSpPr>
+          <p:nvPr>
+            <p:ph type="body" idx="1"/>
+          </p:nvPr>
+        </p:nvSpPr>
+        <p:spPr>
+          <a:xfrm>
+            <a:off x="311700" y="3152225"/>
+            <a:ext cx="8520600" cy="1300800"/>
+          </a:xfrm>
+          <a:prstGeom prst="rect">
+            <a:avLst/>
+          </a:prstGeom>
+        </p:spPr>
+        <p:txBody>
+          <a:bodyPr spcFirstLastPara="1" wrap="square" lIns="91425" tIns="91425" rIns="91425" bIns="91425" anchor="t" anchorCtr="0">
+            <a:normAutofit/>
+          </a:bodyPr>
+          <a:lstStyle>
+            <a:lvl1pPr marL="457200" lvl="0" indent="-342900" algn="ctr">
+              <a:spcBef>
+                <a:spcPts val="0"/>
+              </a:spcBef>
+              <a:spcAft>
+                <a:spcPts val="0"/>
+              </a:spcAft>
+              <a:buSzPts val="1800"/>
+              <a:buChar char="●"/>
+              <a:defRPr/>
+            </a:lvl1pPr>
+            <a:lvl2pPr marL="914400" lvl="1" indent="-317500" algn="ctr">
+              <a:spcBef>
+                <a:spcPts val="0"/>
+              </a:spcBef>
+              <a:spcAft>
+                <a:spcPts val="0"/>
+              </a:spcAft>
+              <a:buSzPts val="1400"/>
+              <a:buChar char="○"/>
+              <a:defRPr/>
+            </a:lvl2pPr>
+            <a:lvl3pPr marL="1371600" lvl="2" indent="-317500" algn="ctr">
+              <a:spcBef>
+                <a:spcPts val="0"/>
+              </a:spcBef>
+              <a:spcAft>
+                <a:spcPts val="0"/>
+              </a:spcAft>
+              <a:buSzPts val="1400"/>
+              <a:buChar char="■"/>
+              <a:defRPr/>
+            </a:lvl3pPr>
+            <a:lvl4pPr marL="1828800" lvl="3" indent="-317500" algn="ctr">
+              <a:spcBef>
+                <a:spcPts val="0"/>
+              </a:spcBef>
+              <a:spcAft>
+                <a:spcPts val="0"/>
+              </a:spcAft>
+              <a:buSzPts val="1400"/>
+              <a:buChar char="●"/>
+              <a:defRPr/>
+            </a:lvl4pPr>
+            <a:lvl5pPr marL="2286000" lvl="4" indent="-317500" algn="ctr">
+              <a:spcBef>
+                <a:spcPts val="0"/>
+              </a:spcBef>
+              <a:spcAft>
+                <a:spcPts val="0"/>
+              </a:spcAft>
+              <a:buSzPts val="1400"/>
+              <a:buChar char="○"/>
+              <a:defRPr/>
+            </a:lvl5pPr>
+            <a:lvl6pPr marL="2743200" lvl="5" indent="-317500" algn="ctr">
+              <a:spcBef>
+                <a:spcPts val="0"/>
+              </a:spcBef>
+              <a:spcAft>
+                <a:spcPts val="0"/>
+              </a:spcAft>
+              <a:buSzPts val="1400"/>
+              <a:buChar char="■"/>
+              <a:defRPr/>
+            </a:lvl6pPr>
+            <a:lvl7pPr marL="3200400" lvl="6" indent="-317500" algn="ctr">
+              <a:spcBef>
+                <a:spcPts val="0"/>
+              </a:spcBef>
+              <a:spcAft>
+                <a:spcPts val="0"/>
+              </a:spcAft>
+              <a:buSzPts val="1400"/>
+              <a:buChar char="●"/>
+              <a:defRPr/>
+            </a:lvl7pPr>
+            <a:lvl8pPr marL="3657600" lvl="7" indent="-317500" algn="ctr">
+              <a:spcBef>
+                <a:spcPts val="0"/>
+              </a:spcBef>
+              <a:spcAft>
+                <a:spcPts val="0"/>
+              </a:spcAft>
+              <a:buSzPts val="1400"/>
+              <a:buChar char="○"/>
+              <a:defRPr/>
+            </a:lvl8pPr>
+            <a:lvl9pPr marL="4114800" lvl="8" indent="-317500" algn="ctr">
+              <a:spcBef>
+                <a:spcPts val="0"/>
+              </a:spcBef>
+              <a:spcAft>
+                <a:spcPts val="0"/>
+              </a:spcAft>
+              <a:buSzPts val="1400"/>
+              <a:buChar char="■"/>
+              <a:defRPr/>
+            </a:lvl9pPr>
+          </a:lstStyle>
+          <a:p>
+            <a:endParaRPr/>
+          </a:p>
+        </p:txBody>
+      </p:sp>
+      <p:sp>
+        <p:nvSpPr>
+          <p:cNvPr id="47" name="Google Shape;47;p11"/>
           <p:cNvSpPr txBox="1">
             <a:spLocks noGrp="1"/>
           </p:cNvSpPr>
@@ -5618,14 +5255,13 @@
     <p:sldLayoutId id="2147483648" r:id="rId1"/>
     <p:sldLayoutId id="2147483649" r:id="rId2"/>
     <p:sldLayoutId id="2147483650" r:id="rId3"/>
-    <p:sldLayoutId id="2147483651" r:id="rId4"/>
-    <p:sldLayoutId id="2147483652" r:id="rId5"/>
-    <p:sldLayoutId id="2147483653" r:id="rId6"/>
-    <p:sldLayoutId id="2147483654" r:id="rId7"/>
-    <p:sldLayoutId id="2147483655" r:id="rId8"/>
-    <p:sldLayoutId id="2147483656" r:id="rId9"/>
-    <p:sldLayoutId id="2147483657" r:id="rId10"/>
-    <p:sldLayoutId id="2147483658" r:id="rId11"/>
+    <p:sldLayoutId id="2147483652" r:id="rId4"/>
+    <p:sldLayoutId id="2147483653" r:id="rId5"/>
+    <p:sldLayoutId id="2147483654" r:id="rId6"/>
+    <p:sldLayoutId id="2147483655" r:id="rId7"/>
+    <p:sldLayoutId id="2147483656" r:id="rId8"/>
+    <p:sldLayoutId id="2147483657" r:id="rId9"/>
+    <p:sldLayoutId id="2147483658" r:id="rId10"/>
   </p:sldLayoutIdLst>
   <p:hf sldNum="0" hdr="0" ftr="0" dt="0"/>
   <p:txStyles>
@@ -6408,7 +6044,7 @@
               <a:buNone/>
             </a:pPr>
             <a:r>
-              <a:rPr lang="en">
+              <a:rPr lang="en" dirty="0">
                 <a:latin typeface="Courier New"/>
                 <a:ea typeface="Courier New"/>
                 <a:cs typeface="Courier New"/>
@@ -6416,7 +6052,7 @@
               </a:rPr>
               <a:t>Wine Quality Analysis</a:t>
             </a:r>
-            <a:endParaRPr>
+            <a:endParaRPr dirty="0">
               <a:latin typeface="Courier New"/>
               <a:ea typeface="Courier New"/>
               <a:cs typeface="Courier New"/>
@@ -6571,14 +6207,19 @@
               <a:buNone/>
             </a:pPr>
             <a:r>
-              <a:rPr lang="en" sz="2630" b="1">
+              <a:rPr lang="en" sz="2630" b="1" dirty="0">
                 <a:solidFill>
                   <a:srgbClr val="24292F"/>
                 </a:solidFill>
+                <a:latin typeface="Courier New" panose="02070309020205020404" pitchFamily="49" charset="0"/>
+                <a:cs typeface="Courier New" panose="02070309020205020404" pitchFamily="49" charset="0"/>
               </a:rPr>
               <a:t>Wine Quality of Vinho Verde in Portugal</a:t>
             </a:r>
-            <a:endParaRPr sz="3620"/>
+            <a:endParaRPr sz="3620" dirty="0">
+              <a:latin typeface="Courier New" panose="02070309020205020404" pitchFamily="49" charset="0"/>
+              <a:cs typeface="Courier New" panose="02070309020205020404" pitchFamily="49" charset="0"/>
+            </a:endParaRPr>
           </a:p>
         </p:txBody>
       </p:sp>
@@ -6815,8 +6456,8 @@
         </p:nvSpPr>
         <p:spPr>
           <a:xfrm>
-            <a:off x="4823828" y="1286562"/>
-            <a:ext cx="3805500" cy="3297786"/>
+            <a:off x="1357808" y="1511184"/>
+            <a:ext cx="6428384" cy="2121132"/>
           </a:xfrm>
           <a:prstGeom prst="rect">
             <a:avLst/>
@@ -7057,13 +6698,13 @@
         <p:spPr>
           <a:xfrm>
             <a:off x="0" y="0"/>
-            <a:ext cx="9173100" cy="568200"/>
+            <a:ext cx="9144000" cy="568200"/>
           </a:xfrm>
           <a:prstGeom prst="rect">
             <a:avLst/>
           </a:prstGeom>
           <a:solidFill>
-            <a:srgbClr val="ECF4FC"/>
+            <a:srgbClr val="73174C"/>
           </a:solidFill>
           <a:ln>
             <a:noFill/>
@@ -7085,92 +6726,22 @@
               <a:buNone/>
             </a:pPr>
             <a:r>
-              <a:rPr lang="en" sz="2500" dirty="0"/>
+              <a:rPr lang="en" sz="2500" b="1" dirty="0">
+                <a:solidFill>
+                  <a:schemeClr val="bg1"/>
+                </a:solidFill>
+                <a:latin typeface="Courier New" panose="02070309020205020404" pitchFamily="49" charset="0"/>
+                <a:cs typeface="Courier New" panose="02070309020205020404" pitchFamily="49" charset="0"/>
+              </a:rPr>
               <a:t>Questions We Hope to Answer</a:t>
             </a:r>
-            <a:endParaRPr sz="2500" dirty="0"/>
-          </a:p>
-        </p:txBody>
-      </p:sp>
-      <p:pic>
-        <p:nvPicPr>
-          <p:cNvPr id="95" name="Google Shape;95;p19"/>
-          <p:cNvPicPr preferRelativeResize="0"/>
-          <p:nvPr/>
-        </p:nvPicPr>
-        <p:blipFill>
-          <a:blip r:embed="rId3">
-            <a:alphaModFix/>
-          </a:blip>
-          <a:stretch>
-            <a:fillRect/>
-          </a:stretch>
-        </p:blipFill>
-        <p:spPr>
-          <a:xfrm>
-            <a:off x="604125" y="612950"/>
-            <a:ext cx="3716049" cy="4111299"/>
-          </a:xfrm>
-          <a:prstGeom prst="rect">
-            <a:avLst/>
-          </a:prstGeom>
-          <a:noFill/>
-          <a:ln>
-            <a:noFill/>
-          </a:ln>
-        </p:spPr>
-      </p:pic>
-      <p:sp>
-        <p:nvSpPr>
-          <p:cNvPr id="96" name="Google Shape;96;p19"/>
-          <p:cNvSpPr txBox="1"/>
-          <p:nvPr/>
-        </p:nvSpPr>
-        <p:spPr>
-          <a:xfrm>
-            <a:off x="868457" y="4584348"/>
-            <a:ext cx="3118327" cy="338524"/>
-          </a:xfrm>
-          <a:prstGeom prst="rect">
-            <a:avLst/>
-          </a:prstGeom>
-          <a:noFill/>
-          <a:ln>
-            <a:noFill/>
-          </a:ln>
-        </p:spPr>
-        <p:txBody>
-          <a:bodyPr spcFirstLastPara="1" wrap="square" lIns="91425" tIns="91425" rIns="91425" bIns="91425" anchor="t" anchorCtr="0">
-            <a:spAutoFit/>
-          </a:bodyPr>
-          <a:lstStyle/>
-          <a:p>
-            <a:pPr marL="0" lvl="0" indent="0" algn="ctr" rtl="0">
-              <a:spcBef>
-                <a:spcPts val="0"/>
-              </a:spcBef>
-              <a:spcAft>
-                <a:spcPts val="0"/>
-              </a:spcAft>
-              <a:buNone/>
-            </a:pPr>
-            <a:r>
-              <a:rPr lang="en" sz="1000" i="1" dirty="0"/>
-              <a:t>[</a:t>
-            </a:r>
-            <a:r>
-              <a:rPr lang="en" sz="1000" i="1" dirty="0">
-                <a:highlight>
-                  <a:srgbClr val="FFFF00"/>
-                </a:highlight>
-              </a:rPr>
-              <a:t>Will replace with our dryness scale from Tableau</a:t>
-            </a:r>
-            <a:r>
-              <a:rPr lang="en" sz="1000" i="1" dirty="0"/>
-              <a:t>]</a:t>
-            </a:r>
-            <a:endParaRPr sz="1000" i="1" dirty="0"/>
+            <a:endParaRPr sz="2500" b="1" dirty="0">
+              <a:solidFill>
+                <a:schemeClr val="bg1"/>
+              </a:solidFill>
+              <a:latin typeface="Courier New" panose="02070309020205020404" pitchFamily="49" charset="0"/>
+              <a:cs typeface="Courier New" panose="02070309020205020404" pitchFamily="49" charset="0"/>
+            </a:endParaRPr>
           </a:p>
         </p:txBody>
       </p:sp>
@@ -7214,7 +6785,7 @@
             <a:avLst/>
           </a:prstGeom>
           <a:solidFill>
-            <a:schemeClr val="dk1"/>
+            <a:srgbClr val="73174C"/>
           </a:solidFill>
           <a:ln>
             <a:noFill/>
@@ -7236,17 +6807,21 @@
               <a:buNone/>
             </a:pPr>
             <a:r>
-              <a:rPr lang="en" sz="2500">
+              <a:rPr lang="en" sz="2500" b="1" dirty="0">
                 <a:solidFill>
                   <a:schemeClr val="lt1"/>
                 </a:solidFill>
+                <a:latin typeface="Courier New" panose="02070309020205020404" pitchFamily="49" charset="0"/>
+                <a:cs typeface="Courier New" panose="02070309020205020404" pitchFamily="49" charset="0"/>
               </a:rPr>
               <a:t>Machine </a:t>
             </a:r>
-            <a:endParaRPr sz="2500">
+            <a:endParaRPr sz="2500" b="1" dirty="0">
               <a:solidFill>
                 <a:schemeClr val="lt1"/>
               </a:solidFill>
+              <a:latin typeface="Courier New" panose="02070309020205020404" pitchFamily="49" charset="0"/>
+              <a:cs typeface="Courier New" panose="02070309020205020404" pitchFamily="49" charset="0"/>
             </a:endParaRPr>
           </a:p>
           <a:p>
@@ -7260,17 +6835,21 @@
               <a:buNone/>
             </a:pPr>
             <a:r>
-              <a:rPr lang="en" sz="2500">
+              <a:rPr lang="en" sz="2500" b="1" dirty="0">
                 <a:solidFill>
                   <a:schemeClr val="lt1"/>
                 </a:solidFill>
+                <a:latin typeface="Courier New" panose="02070309020205020404" pitchFamily="49" charset="0"/>
+                <a:cs typeface="Courier New" panose="02070309020205020404" pitchFamily="49" charset="0"/>
               </a:rPr>
               <a:t>Learning </a:t>
             </a:r>
-            <a:endParaRPr sz="2500">
+            <a:endParaRPr sz="2500" b="1" dirty="0">
               <a:solidFill>
                 <a:schemeClr val="lt1"/>
               </a:solidFill>
+              <a:latin typeface="Courier New" panose="02070309020205020404" pitchFamily="49" charset="0"/>
+              <a:cs typeface="Courier New" panose="02070309020205020404" pitchFamily="49" charset="0"/>
             </a:endParaRPr>
           </a:p>
           <a:p>
@@ -7284,17 +6863,21 @@
               <a:buNone/>
             </a:pPr>
             <a:r>
-              <a:rPr lang="en" sz="2500">
+              <a:rPr lang="en" sz="2500" b="1" dirty="0">
                 <a:solidFill>
                   <a:schemeClr val="lt1"/>
                 </a:solidFill>
+                <a:latin typeface="Courier New" panose="02070309020205020404" pitchFamily="49" charset="0"/>
+                <a:cs typeface="Courier New" panose="02070309020205020404" pitchFamily="49" charset="0"/>
               </a:rPr>
               <a:t>Model</a:t>
             </a:r>
-            <a:endParaRPr sz="2500">
+            <a:endParaRPr sz="2500" b="1" dirty="0">
               <a:solidFill>
                 <a:schemeClr val="lt1"/>
               </a:solidFill>
+              <a:latin typeface="Courier New" panose="02070309020205020404" pitchFamily="49" charset="0"/>
+              <a:cs typeface="Courier New" panose="02070309020205020404" pitchFamily="49" charset="0"/>
             </a:endParaRPr>
           </a:p>
         </p:txBody>
@@ -8183,7 +7766,7 @@
             <a:avLst/>
           </a:prstGeom>
           <a:solidFill>
-            <a:srgbClr val="ECF4FC"/>
+            <a:srgbClr val="73174C"/>
           </a:solidFill>
           <a:ln>
             <a:noFill/>
@@ -8205,10 +7788,22 @@
               <a:buNone/>
             </a:pPr>
             <a:r>
-              <a:rPr lang="en" sz="2500"/>
+              <a:rPr lang="en" sz="2500" b="1" dirty="0">
+                <a:solidFill>
+                  <a:schemeClr val="bg1"/>
+                </a:solidFill>
+                <a:latin typeface="Courier New" panose="02070309020205020404" pitchFamily="49" charset="0"/>
+                <a:cs typeface="Courier New" panose="02070309020205020404" pitchFamily="49" charset="0"/>
+              </a:rPr>
               <a:t>Technologies Used</a:t>
             </a:r>
-            <a:endParaRPr sz="2500"/>
+            <a:endParaRPr sz="2500" b="1" dirty="0">
+              <a:solidFill>
+                <a:schemeClr val="bg1"/>
+              </a:solidFill>
+              <a:latin typeface="Courier New" panose="02070309020205020404" pitchFamily="49" charset="0"/>
+              <a:cs typeface="Courier New" panose="02070309020205020404" pitchFamily="49" charset="0"/>
+            </a:endParaRPr>
           </a:p>
         </p:txBody>
       </p:sp>
@@ -8276,14 +7871,14 @@
               <a:buChar char="❖"/>
             </a:pPr>
             <a:r>
-              <a:rPr lang="en">
+              <a:rPr lang="en" dirty="0">
                 <a:solidFill>
                   <a:schemeClr val="dk1"/>
                 </a:solidFill>
               </a:rPr>
               <a:t>Alcohol</a:t>
             </a:r>
-            <a:endParaRPr>
+            <a:endParaRPr dirty="0">
               <a:solidFill>
                 <a:schemeClr val="dk1"/>
               </a:solidFill>
@@ -8304,14 +7899,14 @@
               <a:buChar char="❖"/>
             </a:pPr>
             <a:r>
-              <a:rPr lang="en">
+              <a:rPr lang="en" dirty="0">
                 <a:solidFill>
                   <a:schemeClr val="dk1"/>
                 </a:solidFill>
               </a:rPr>
               <a:t>Residual (sweet vs dry)</a:t>
             </a:r>
-            <a:endParaRPr>
+            <a:endParaRPr dirty="0">
               <a:solidFill>
                 <a:schemeClr val="dk1"/>
               </a:solidFill>
@@ -8332,7 +7927,7 @@
               <a:buChar char="❖"/>
             </a:pPr>
             <a:r>
-              <a:rPr lang="en">
+              <a:rPr lang="en" dirty="0">
                 <a:solidFill>
                   <a:schemeClr val="dk1"/>
                 </a:solidFill>
@@ -8340,14 +7935,14 @@
               <a:t>Acidity - </a:t>
             </a:r>
             <a:r>
-              <a:rPr lang="en" sz="1400">
+              <a:rPr lang="en" sz="1400" dirty="0">
                 <a:solidFill>
                   <a:schemeClr val="dk1"/>
                 </a:solidFill>
               </a:rPr>
               <a:t>wines that lack fixed acidity are ‘1-dimensional / flat’*</a:t>
             </a:r>
-            <a:endParaRPr>
+            <a:endParaRPr dirty="0">
               <a:solidFill>
                 <a:schemeClr val="dk1"/>
               </a:solidFill>
@@ -8368,14 +7963,14 @@
               <a:buChar char="➢"/>
             </a:pPr>
             <a:r>
-              <a:rPr lang="en">
+              <a:rPr lang="en" dirty="0">
                 <a:solidFill>
                   <a:schemeClr val="dk1"/>
                 </a:solidFill>
               </a:rPr>
               <a:t>Free - higher </a:t>
             </a:r>
-            <a:endParaRPr>
+            <a:endParaRPr dirty="0">
               <a:solidFill>
                 <a:schemeClr val="dk1"/>
               </a:solidFill>
@@ -8396,14 +7991,14 @@
               <a:buChar char="➢"/>
             </a:pPr>
             <a:r>
-              <a:rPr lang="en">
+              <a:rPr lang="en" dirty="0">
                 <a:solidFill>
                   <a:schemeClr val="dk1"/>
                 </a:solidFill>
               </a:rPr>
               <a:t>Fixed (citric acid) - lower amounts may indicate spoilage</a:t>
             </a:r>
-            <a:endParaRPr>
+            <a:endParaRPr dirty="0">
               <a:solidFill>
                 <a:schemeClr val="dk1"/>
               </a:solidFill>
@@ -8424,14 +8019,14 @@
               <a:buChar char="❖"/>
             </a:pPr>
             <a:r>
-              <a:rPr lang="en">
+              <a:rPr lang="en" dirty="0">
                 <a:solidFill>
                   <a:schemeClr val="dk1"/>
                 </a:solidFill>
               </a:rPr>
               <a:t>Sulfur Dioxide</a:t>
             </a:r>
-            <a:endParaRPr>
+            <a:endParaRPr dirty="0">
               <a:solidFill>
                 <a:schemeClr val="dk1"/>
               </a:solidFill>
@@ -8452,14 +8047,14 @@
               <a:buChar char="❖"/>
             </a:pPr>
             <a:r>
-              <a:rPr lang="en">
+              <a:rPr lang="en" dirty="0">
                 <a:solidFill>
                   <a:schemeClr val="dk1"/>
                 </a:solidFill>
               </a:rPr>
               <a:t>Chlorides</a:t>
             </a:r>
-            <a:endParaRPr>
+            <a:endParaRPr dirty="0">
               <a:solidFill>
                 <a:schemeClr val="dk1"/>
               </a:solidFill>
@@ -8482,7 +8077,7 @@
             <a:avLst/>
           </a:prstGeom>
           <a:solidFill>
-            <a:srgbClr val="ECF4FC"/>
+            <a:srgbClr val="73174C"/>
           </a:solidFill>
           <a:ln>
             <a:noFill/>
@@ -8509,14 +8104,22 @@
               <a:buNone/>
             </a:pPr>
             <a:r>
-              <a:rPr lang="en" sz="2500">
-                <a:solidFill>
-                  <a:schemeClr val="dk1"/>
-                </a:solidFill>
+              <a:rPr lang="en" sz="2500" b="1" dirty="0">
+                <a:solidFill>
+                  <a:schemeClr val="bg1"/>
+                </a:solidFill>
+                <a:latin typeface="Courier New" panose="02070309020205020404" pitchFamily="49" charset="0"/>
+                <a:cs typeface="Courier New" panose="02070309020205020404" pitchFamily="49" charset="0"/>
               </a:rPr>
               <a:t>Impacting Variables</a:t>
             </a:r>
-            <a:endParaRPr sz="2500"/>
+            <a:endParaRPr sz="2500" b="1" dirty="0">
+              <a:solidFill>
+                <a:schemeClr val="bg1"/>
+              </a:solidFill>
+              <a:latin typeface="Courier New" panose="02070309020205020404" pitchFamily="49" charset="0"/>
+              <a:cs typeface="Courier New" panose="02070309020205020404" pitchFamily="49" charset="0"/>
+            </a:endParaRPr>
           </a:p>
         </p:txBody>
       </p:sp>
@@ -8560,7 +8163,7 @@
             <a:avLst/>
           </a:prstGeom>
           <a:solidFill>
-            <a:srgbClr val="ECF4FC"/>
+            <a:srgbClr val="73174C"/>
           </a:solidFill>
           <a:ln>
             <a:noFill/>
@@ -8587,14 +8190,22 @@
               <a:buNone/>
             </a:pPr>
             <a:r>
-              <a:rPr lang="en" sz="2500">
-                <a:solidFill>
-                  <a:schemeClr val="dk1"/>
-                </a:solidFill>
+              <a:rPr lang="en" sz="2500" b="1" dirty="0">
+                <a:solidFill>
+                  <a:schemeClr val="bg1"/>
+                </a:solidFill>
+                <a:latin typeface="Courier New" panose="02070309020205020404" pitchFamily="49" charset="0"/>
+                <a:cs typeface="Courier New" panose="02070309020205020404" pitchFamily="49" charset="0"/>
               </a:rPr>
               <a:t>Dashboard Details</a:t>
             </a:r>
-            <a:endParaRPr sz="2500"/>
+            <a:endParaRPr sz="2500" b="1" dirty="0">
+              <a:solidFill>
+                <a:schemeClr val="bg1"/>
+              </a:solidFill>
+              <a:latin typeface="Courier New" panose="02070309020205020404" pitchFamily="49" charset="0"/>
+              <a:cs typeface="Courier New" panose="02070309020205020404" pitchFamily="49" charset="0"/>
+            </a:endParaRPr>
           </a:p>
         </p:txBody>
       </p:sp>
@@ -8610,8 +8221,8 @@
         </p:nvSpPr>
         <p:spPr>
           <a:xfrm>
-            <a:off x="311700" y="927975"/>
-            <a:ext cx="3999900" cy="3416400"/>
+            <a:off x="940309" y="1053103"/>
+            <a:ext cx="7263382" cy="3416400"/>
           </a:xfrm>
           <a:prstGeom prst="rect">
             <a:avLst/>
@@ -8633,14 +8244,14 @@
               <a:buNone/>
             </a:pPr>
             <a:r>
-              <a:rPr lang="en" b="1">
+              <a:rPr lang="en" b="1" dirty="0">
                 <a:solidFill>
                   <a:schemeClr val="dk1"/>
                 </a:solidFill>
               </a:rPr>
               <a:t>Tools:</a:t>
             </a:r>
-            <a:endParaRPr b="1">
+            <a:endParaRPr b="1" dirty="0">
               <a:solidFill>
                 <a:schemeClr val="dk1"/>
               </a:solidFill>
@@ -8661,7 +8272,7 @@
               <a:buChar char="❖"/>
             </a:pPr>
             <a:r>
-              <a:rPr lang="en" sz="1600" b="1">
+              <a:rPr lang="en" sz="1600" b="1" dirty="0">
                 <a:solidFill>
                   <a:schemeClr val="dk1"/>
                 </a:solidFill>
@@ -8669,7 +8280,7 @@
               <a:t>Tableau </a:t>
             </a:r>
             <a:r>
-              <a:rPr lang="en">
+              <a:rPr lang="en" dirty="0">
                 <a:solidFill>
                   <a:schemeClr val="dk1"/>
                 </a:solidFill>
@@ -8677,14 +8288,14 @@
               <a:t>- </a:t>
             </a:r>
             <a:r>
-              <a:rPr lang="en" sz="1400">
+              <a:rPr lang="en" sz="1400" dirty="0">
                 <a:solidFill>
                   <a:schemeClr val="dk1"/>
                 </a:solidFill>
               </a:rPr>
               <a:t>we will be using tableau for our data analysis visualization dashboard.</a:t>
             </a:r>
-            <a:endParaRPr sz="1400">
+            <a:endParaRPr sz="1400" dirty="0">
               <a:solidFill>
                 <a:schemeClr val="dk1"/>
               </a:solidFill>
@@ -8705,7 +8316,7 @@
               <a:buChar char="❖"/>
             </a:pPr>
             <a:r>
-              <a:rPr lang="en" sz="1600" b="1">
+              <a:rPr lang="en" sz="1600" b="1" dirty="0">
                 <a:solidFill>
                   <a:schemeClr val="dk1"/>
                 </a:solidFill>
@@ -8713,7 +8324,7 @@
               <a:t>CSV Raw Data Files</a:t>
             </a:r>
             <a:r>
-              <a:rPr lang="en" sz="1400">
+              <a:rPr lang="en" sz="1400" dirty="0">
                 <a:solidFill>
                   <a:schemeClr val="dk1"/>
                 </a:solidFill>
@@ -8721,7 +8332,7 @@
               <a:t> </a:t>
             </a:r>
             <a:r>
-              <a:rPr lang="en">
+              <a:rPr lang="en" dirty="0">
                 <a:solidFill>
                   <a:schemeClr val="dk1"/>
                 </a:solidFill>
@@ -8729,14 +8340,14 @@
               <a:t>- </a:t>
             </a:r>
             <a:r>
-              <a:rPr lang="en" sz="1400">
+              <a:rPr lang="en" sz="1400" dirty="0">
                 <a:solidFill>
                   <a:schemeClr val="dk1"/>
                 </a:solidFill>
               </a:rPr>
               <a:t>our data will be imported via csv files to utilize in our development of various interactive graphs and charts. </a:t>
             </a:r>
-            <a:endParaRPr sz="1400">
+            <a:endParaRPr sz="1400" dirty="0">
               <a:solidFill>
                 <a:schemeClr val="dk1"/>
               </a:solidFill>
@@ -8746,100 +8357,6 @@
             <a:pPr marL="457200" lvl="0" indent="-330200" algn="l" rtl="0">
               <a:spcBef>
                 <a:spcPts val="0"/>
-              </a:spcBef>
-              <a:spcAft>
-                <a:spcPts val="0"/>
-              </a:spcAft>
-              <a:buClr>
-                <a:schemeClr val="dk1"/>
-              </a:buClr>
-              <a:buSzPts val="1600"/>
-              <a:buChar char="❖"/>
-            </a:pPr>
-            <a:r>
-              <a:rPr lang="en" sz="1600" b="1">
-                <a:solidFill>
-                  <a:schemeClr val="dk1"/>
-                </a:solidFill>
-              </a:rPr>
-              <a:t>Machine Learning Output </a:t>
-            </a:r>
-            <a:r>
-              <a:rPr lang="en" sz="1600">
-                <a:solidFill>
-                  <a:schemeClr val="dk1"/>
-                </a:solidFill>
-              </a:rPr>
-              <a:t>- </a:t>
-            </a:r>
-            <a:r>
-              <a:rPr lang="en" sz="1400">
-                <a:solidFill>
-                  <a:schemeClr val="dk1"/>
-                </a:solidFill>
-              </a:rPr>
-              <a:t>the machine learning output will be saved as a csv file and imported into Tableau.</a:t>
-            </a:r>
-            <a:endParaRPr sz="1400">
-              <a:solidFill>
-                <a:schemeClr val="dk1"/>
-              </a:solidFill>
-            </a:endParaRPr>
-          </a:p>
-        </p:txBody>
-      </p:sp>
-      <p:sp>
-        <p:nvSpPr>
-          <p:cNvPr id="88" name="Google Shape;88;p18"/>
-          <p:cNvSpPr txBox="1">
-            <a:spLocks noGrp="1"/>
-          </p:cNvSpPr>
-          <p:nvPr>
-            <p:ph type="body" idx="4294967295"/>
-          </p:nvPr>
-        </p:nvSpPr>
-        <p:spPr>
-          <a:xfrm>
-            <a:off x="4572000" y="934235"/>
-            <a:ext cx="3999900" cy="3416400"/>
-          </a:xfrm>
-          <a:prstGeom prst="rect">
-            <a:avLst/>
-          </a:prstGeom>
-        </p:spPr>
-        <p:txBody>
-          <a:bodyPr spcFirstLastPara="1" wrap="square" lIns="91425" tIns="91425" rIns="91425" bIns="91425" anchor="t" anchorCtr="0">
-            <a:normAutofit/>
-          </a:bodyPr>
-          <a:lstStyle/>
-          <a:p>
-            <a:pPr marL="0" lvl="0" indent="0" algn="l" rtl="0">
-              <a:spcBef>
-                <a:spcPts val="0"/>
-              </a:spcBef>
-              <a:spcAft>
-                <a:spcPts val="0"/>
-              </a:spcAft>
-              <a:buNone/>
-            </a:pPr>
-            <a:r>
-              <a:rPr lang="en" b="1" dirty="0">
-                <a:solidFill>
-                  <a:schemeClr val="dk1"/>
-                </a:solidFill>
-              </a:rPr>
-              <a:t>Interactive Element:</a:t>
-            </a:r>
-            <a:endParaRPr b="1" dirty="0">
-              <a:solidFill>
-                <a:schemeClr val="dk1"/>
-              </a:solidFill>
-            </a:endParaRPr>
-          </a:p>
-          <a:p>
-            <a:pPr marL="457200" lvl="0" indent="-330200" algn="l" rtl="0">
-              <a:spcBef>
-                <a:spcPts val="1200"/>
               </a:spcBef>
               <a:spcAft>
                 <a:spcPts val="0"/>
@@ -8856,7 +8373,7 @@
                   <a:schemeClr val="dk1"/>
                 </a:solidFill>
               </a:rPr>
-              <a:t>Scale Diagram </a:t>
+              <a:t>Machine Learning Output </a:t>
             </a:r>
             <a:r>
               <a:rPr lang="en" sz="1600" dirty="0">
@@ -8872,81 +8389,9 @@
                   <a:schemeClr val="dk1"/>
                 </a:solidFill>
               </a:rPr>
-              <a:t>this will be a diagram comparing how residual sugar levels provide to the sweetness vs dryness of a wine.</a:t>
+              <a:t>the machine learning output will be saved as a csv file and imported into Tableau.</a:t>
             </a:r>
             <a:endParaRPr sz="1400" dirty="0">
-              <a:solidFill>
-                <a:schemeClr val="dk1"/>
-              </a:solidFill>
-            </a:endParaRPr>
-          </a:p>
-          <a:p>
-            <a:pPr marL="457200" lvl="0" indent="-330200" algn="l" rtl="0">
-              <a:spcBef>
-                <a:spcPts val="0"/>
-              </a:spcBef>
-              <a:spcAft>
-                <a:spcPts val="0"/>
-              </a:spcAft>
-              <a:buClr>
-                <a:schemeClr val="dk1"/>
-              </a:buClr>
-              <a:buSzPts val="1600"/>
-              <a:buChar char="❖"/>
-            </a:pPr>
-            <a:r>
-              <a:rPr lang="en" sz="1600" b="1" dirty="0">
-                <a:solidFill>
-                  <a:schemeClr val="dk1"/>
-                </a:solidFill>
-              </a:rPr>
-              <a:t>Line/Bar Graph </a:t>
-            </a:r>
-            <a:r>
-              <a:rPr lang="en" sz="1600" dirty="0">
-                <a:solidFill>
-                  <a:schemeClr val="dk1"/>
-                </a:solidFill>
-              </a:rPr>
-              <a:t>- </a:t>
-            </a:r>
-            <a:r>
-              <a:rPr lang="en" sz="1400" dirty="0">
-                <a:solidFill>
-                  <a:schemeClr val="dk1"/>
-                </a:solidFill>
-              </a:rPr>
-              <a:t>to show how certain chemicals properties contribute to the quality of wines. </a:t>
-            </a:r>
-            <a:endParaRPr sz="1400" dirty="0">
-              <a:solidFill>
-                <a:schemeClr val="dk1"/>
-              </a:solidFill>
-            </a:endParaRPr>
-          </a:p>
-          <a:p>
-            <a:pPr marL="914400" lvl="1" indent="-304800" algn="l" rtl="0">
-              <a:spcBef>
-                <a:spcPts val="0"/>
-              </a:spcBef>
-              <a:spcAft>
-                <a:spcPts val="0"/>
-              </a:spcAft>
-              <a:buClr>
-                <a:schemeClr val="dk1"/>
-              </a:buClr>
-              <a:buSzPts val="1200"/>
-              <a:buChar char="➢"/>
-            </a:pPr>
-            <a:r>
-              <a:rPr lang="en" sz="1200" dirty="0">
-                <a:solidFill>
-                  <a:schemeClr val="dk1"/>
-                </a:solidFill>
-              </a:rPr>
-              <a:t>For example, when you take out alcohol what is the quality score versus when you include alcohol?</a:t>
-            </a:r>
-            <a:endParaRPr sz="1200" dirty="0">
               <a:solidFill>
                 <a:schemeClr val="dk1"/>
               </a:solidFill>
@@ -8967,7 +8412,7 @@
   <p:cSld>
     <p:spTree>
       <p:nvGrpSpPr>
-        <p:cNvPr id="1" name="Shape 100"/>
+        <p:cNvPr id="1" name="Shape 85"/>
         <p:cNvGrpSpPr/>
         <p:nvPr/>
       </p:nvGrpSpPr>
@@ -8981,18 +8426,79 @@
       </p:grpSpPr>
       <p:sp>
         <p:nvSpPr>
-          <p:cNvPr id="101" name="Google Shape;101;p20"/>
+          <p:cNvPr id="86" name="Google Shape;86;p18"/>
+          <p:cNvSpPr/>
+          <p:nvPr/>
+        </p:nvSpPr>
+        <p:spPr>
+          <a:xfrm>
+            <a:off x="0" y="0"/>
+            <a:ext cx="9144000" cy="463800"/>
+          </a:xfrm>
+          <a:prstGeom prst="rect">
+            <a:avLst/>
+          </a:prstGeom>
+          <a:solidFill>
+            <a:srgbClr val="73174C"/>
+          </a:solidFill>
+          <a:ln>
+            <a:noFill/>
+          </a:ln>
+        </p:spPr>
+        <p:txBody>
+          <a:bodyPr spcFirstLastPara="1" wrap="square" lIns="91425" tIns="91425" rIns="91425" bIns="91425" anchor="ctr" anchorCtr="0">
+            <a:noAutofit/>
+          </a:bodyPr>
+          <a:lstStyle/>
+          <a:p>
+            <a:pPr marL="0" lvl="0" indent="0" algn="l" rtl="0">
+              <a:spcBef>
+                <a:spcPts val="0"/>
+              </a:spcBef>
+              <a:spcAft>
+                <a:spcPts val="0"/>
+              </a:spcAft>
+              <a:buClr>
+                <a:schemeClr val="dk1"/>
+              </a:buClr>
+              <a:buSzPts val="1100"/>
+              <a:buFont typeface="Arial"/>
+              <a:buNone/>
+            </a:pPr>
+            <a:r>
+              <a:rPr lang="en" sz="2500" b="1" dirty="0">
+                <a:solidFill>
+                  <a:schemeClr val="bg1"/>
+                </a:solidFill>
+                <a:latin typeface="Courier New" panose="02070309020205020404" pitchFamily="49" charset="0"/>
+                <a:cs typeface="Courier New" panose="02070309020205020404" pitchFamily="49" charset="0"/>
+              </a:rPr>
+              <a:t>Dashboard Details</a:t>
+            </a:r>
+            <a:endParaRPr sz="2500" b="1" dirty="0">
+              <a:solidFill>
+                <a:schemeClr val="bg1"/>
+              </a:solidFill>
+              <a:latin typeface="Courier New" panose="02070309020205020404" pitchFamily="49" charset="0"/>
+              <a:cs typeface="Courier New" panose="02070309020205020404" pitchFamily="49" charset="0"/>
+            </a:endParaRPr>
+          </a:p>
+        </p:txBody>
+      </p:sp>
+      <p:sp>
+        <p:nvSpPr>
+          <p:cNvPr id="88" name="Google Shape;88;p18"/>
           <p:cNvSpPr txBox="1">
             <a:spLocks noGrp="1"/>
           </p:cNvSpPr>
           <p:nvPr>
-            <p:ph type="body" idx="1"/>
+            <p:ph type="body" idx="4294967295"/>
           </p:nvPr>
         </p:nvSpPr>
         <p:spPr>
           <a:xfrm>
-            <a:off x="311700" y="1152475"/>
-            <a:ext cx="3999900" cy="3416400"/>
+            <a:off x="198463" y="863550"/>
+            <a:ext cx="2373086" cy="3416400"/>
           </a:xfrm>
           <a:prstGeom prst="rect">
             <a:avLst/>
@@ -9000,265 +8506,266 @@
         </p:spPr>
         <p:txBody>
           <a:bodyPr spcFirstLastPara="1" wrap="square" lIns="91425" tIns="91425" rIns="91425" bIns="91425" anchor="t" anchorCtr="0">
-            <a:normAutofit/>
+            <a:normAutofit fontScale="92500"/>
           </a:bodyPr>
           <a:lstStyle/>
           <a:p>
-            <a:pPr marL="457200" lvl="0" indent="-323850" algn="l" rtl="0">
-              <a:lnSpc>
-                <a:spcPct val="150000"/>
-              </a:lnSpc>
-              <a:spcBef>
-                <a:spcPts val="1600"/>
-              </a:spcBef>
-              <a:spcAft>
-                <a:spcPts val="0"/>
-              </a:spcAft>
-              <a:buClr>
-                <a:srgbClr val="2B2B2B"/>
-              </a:buClr>
-              <a:buSzPts val="1500"/>
-              <a:buFont typeface="Roboto"/>
-              <a:buChar char="●"/>
+            <a:pPr marL="0" lvl="0" indent="0" algn="l" rtl="0">
+              <a:spcBef>
+                <a:spcPts val="0"/>
+              </a:spcBef>
+              <a:spcAft>
+                <a:spcPts val="0"/>
+              </a:spcAft>
+              <a:buNone/>
             </a:pPr>
             <a:r>
-              <a:rPr lang="en" sz="1500">
-                <a:solidFill>
-                  <a:srgbClr val="2B2B2B"/>
-                </a:solidFill>
-                <a:latin typeface="Roboto"/>
-                <a:ea typeface="Roboto"/>
-                <a:cs typeface="Roboto"/>
-                <a:sym typeface="Roboto"/>
+              <a:rPr lang="en" b="1" dirty="0">
+                <a:solidFill>
+                  <a:schemeClr val="dk1"/>
+                </a:solidFill>
               </a:rPr>
-              <a:t>Selected topic</a:t>
+              <a:t>Interactive Element:</a:t>
             </a:r>
-            <a:endParaRPr sz="1500">
+            <a:endParaRPr b="1" dirty="0">
               <a:solidFill>
-                <a:srgbClr val="2B2B2B"/>
+                <a:schemeClr val="dk1"/>
               </a:solidFill>
-              <a:latin typeface="Roboto"/>
-              <a:ea typeface="Roboto"/>
-              <a:cs typeface="Roboto"/>
-              <a:sym typeface="Roboto"/>
             </a:endParaRPr>
           </a:p>
           <a:p>
-            <a:pPr marL="457200" lvl="0" indent="-323850" algn="l" rtl="0">
-              <a:lnSpc>
-                <a:spcPct val="150000"/>
-              </a:lnSpc>
-              <a:spcBef>
-                <a:spcPts val="0"/>
+            <a:pPr marL="457200" lvl="0" indent="-330200" algn="l" rtl="0">
+              <a:spcBef>
+                <a:spcPts val="1200"/>
               </a:spcBef>
               <a:spcAft>
                 <a:spcPts val="0"/>
               </a:spcAft>
               <a:buClr>
-                <a:srgbClr val="2B2B2B"/>
+                <a:schemeClr val="dk1"/>
               </a:buClr>
-              <a:buSzPts val="1500"/>
-              <a:buFont typeface="Roboto"/>
-              <a:buChar char="●"/>
+              <a:buSzPts val="1600"/>
+              <a:buChar char="❖"/>
             </a:pPr>
             <a:r>
-              <a:rPr lang="en" sz="1500">
-                <a:solidFill>
-                  <a:srgbClr val="2B2B2B"/>
-                </a:solidFill>
-                <a:latin typeface="Roboto"/>
-                <a:ea typeface="Roboto"/>
-                <a:cs typeface="Roboto"/>
-                <a:sym typeface="Roboto"/>
+              <a:rPr lang="en" sz="1400" b="1" dirty="0">
+                <a:solidFill>
+                  <a:schemeClr val="dk1"/>
+                </a:solidFill>
               </a:rPr>
-              <a:t>Reason topic was selected</a:t>
+              <a:t>Scale Diagram </a:t>
             </a:r>
-            <a:endParaRPr sz="1500">
-              <a:solidFill>
-                <a:srgbClr val="2B2B2B"/>
-              </a:solidFill>
-              <a:latin typeface="Roboto"/>
-              <a:ea typeface="Roboto"/>
-              <a:cs typeface="Roboto"/>
-              <a:sym typeface="Roboto"/>
-            </a:endParaRPr>
-          </a:p>
-          <a:p>
-            <a:pPr marL="457200" lvl="0" indent="-323850" algn="l" rtl="0">
-              <a:lnSpc>
-                <a:spcPct val="150000"/>
-              </a:lnSpc>
-              <a:spcBef>
-                <a:spcPts val="0"/>
+            <a:r>
+              <a:rPr lang="en" sz="1400" dirty="0">
+                <a:solidFill>
+                  <a:schemeClr val="dk1"/>
+                </a:solidFill>
+              </a:rPr>
+              <a:t>- this will be a diagram comparing how residual sugar levels provide to the sweetness vs dryness of a wine.</a:t>
+            </a:r>
+          </a:p>
+          <a:p>
+            <a:pPr marL="457200" lvl="0" indent="-330200" algn="l" rtl="0">
+              <a:spcBef>
+                <a:spcPts val="1200"/>
               </a:spcBef>
               <a:spcAft>
                 <a:spcPts val="0"/>
               </a:spcAft>
               <a:buClr>
-                <a:srgbClr val="2B2B2B"/>
+                <a:schemeClr val="dk1"/>
               </a:buClr>
-              <a:buSzPts val="1500"/>
-              <a:buFont typeface="Roboto"/>
-              <a:buChar char="●"/>
+              <a:buSzPts val="1600"/>
+              <a:buChar char="❖"/>
             </a:pPr>
             <a:r>
-              <a:rPr lang="en" sz="1500">
-                <a:solidFill>
-                  <a:srgbClr val="2B2B2B"/>
-                </a:solidFill>
-                <a:latin typeface="Roboto"/>
-                <a:ea typeface="Roboto"/>
-                <a:cs typeface="Roboto"/>
-                <a:sym typeface="Roboto"/>
+              <a:rPr lang="en" sz="1400" b="1" dirty="0">
+                <a:solidFill>
+                  <a:schemeClr val="dk1"/>
+                </a:solidFill>
               </a:rPr>
-              <a:t>Description of the source of data</a:t>
+              <a:t>Link to Dashboard:</a:t>
             </a:r>
-            <a:endParaRPr sz="1500">
+            <a:r>
+              <a:rPr lang="en" sz="1400" dirty="0">
+                <a:solidFill>
+                  <a:schemeClr val="dk1"/>
+                </a:solidFill>
+              </a:rPr>
+              <a:t> </a:t>
+            </a:r>
+            <a:r>
+              <a:rPr lang="en-US" sz="1100" dirty="0">
+                <a:solidFill>
+                  <a:schemeClr val="dk1"/>
+                </a:solidFill>
+                <a:hlinkClick r:id="rId3"/>
+              </a:rPr>
+              <a:t>https://public.tableau.com/app/profile/mara.valenzuela8787/viz/WineQualityAnalysisDashboard/Dashboard1?publish=yes</a:t>
+            </a:r>
+            <a:endParaRPr lang="en" sz="1100" b="1" dirty="0">
               <a:solidFill>
-                <a:srgbClr val="2B2B2B"/>
+                <a:schemeClr val="dk1"/>
               </a:solidFill>
-              <a:latin typeface="Roboto"/>
-              <a:ea typeface="Roboto"/>
-              <a:cs typeface="Roboto"/>
-              <a:sym typeface="Roboto"/>
             </a:endParaRPr>
           </a:p>
           <a:p>
-            <a:pPr marL="457200" lvl="0" indent="-323850" algn="l" rtl="0">
-              <a:lnSpc>
-                <a:spcPct val="150000"/>
-              </a:lnSpc>
-              <a:spcBef>
-                <a:spcPts val="0"/>
+            <a:pPr marL="127000" lvl="0" indent="0" algn="l" rtl="0">
+              <a:spcBef>
+                <a:spcPts val="1200"/>
               </a:spcBef>
               <a:spcAft>
                 <a:spcPts val="0"/>
               </a:spcAft>
               <a:buClr>
-                <a:srgbClr val="2B2B2B"/>
+                <a:schemeClr val="dk1"/>
               </a:buClr>
-              <a:buSzPts val="1500"/>
-              <a:buFont typeface="Roboto"/>
-              <a:buChar char="●"/>
+              <a:buSzPts val="1600"/>
+              <a:buNone/>
+            </a:pPr>
+            <a:endParaRPr sz="1400" dirty="0">
+              <a:solidFill>
+                <a:schemeClr val="dk1"/>
+              </a:solidFill>
+            </a:endParaRPr>
+          </a:p>
+        </p:txBody>
+      </p:sp>
+      <p:pic>
+        <p:nvPicPr>
+          <p:cNvPr id="5" name="Picture 4">
+            <a:extLst>
+              <a:ext uri="{FF2B5EF4-FFF2-40B4-BE49-F238E27FC236}">
+                <a16:creationId xmlns:a16="http://schemas.microsoft.com/office/drawing/2014/main" id="{F831D0B1-1D10-48E2-8EBE-1A4BEB9C44F6}"/>
+              </a:ext>
+            </a:extLst>
+          </p:cNvPr>
+          <p:cNvPicPr>
+            <a:picLocks noChangeAspect="1"/>
+          </p:cNvPicPr>
+          <p:nvPr/>
+        </p:nvPicPr>
+        <p:blipFill>
+          <a:blip r:embed="rId4"/>
+          <a:stretch>
+            <a:fillRect/>
+          </a:stretch>
+        </p:blipFill>
+        <p:spPr>
+          <a:xfrm>
+            <a:off x="2743200" y="863550"/>
+            <a:ext cx="5947966" cy="3866821"/>
+          </a:xfrm>
+          <a:prstGeom prst="rect">
+            <a:avLst/>
+          </a:prstGeom>
+        </p:spPr>
+      </p:pic>
+    </p:spTree>
+    <p:extLst>
+      <p:ext uri="{BB962C8B-B14F-4D97-AF65-F5344CB8AC3E}">
+        <p14:creationId xmlns:p14="http://schemas.microsoft.com/office/powerpoint/2010/main" val="1917869905"/>
+      </p:ext>
+    </p:extLst>
+  </p:cSld>
+  <p:clrMapOvr>
+    <a:masterClrMapping/>
+  </p:clrMapOvr>
+</p:sld>
+</file>
+
+<file path=ppt/slides/slide9.xml><?xml version="1.0" encoding="utf-8"?>
+<p:sld xmlns:a="http://schemas.openxmlformats.org/drawingml/2006/main" xmlns:r="http://schemas.openxmlformats.org/officeDocument/2006/relationships" xmlns:p="http://schemas.openxmlformats.org/presentationml/2006/main">
+  <p:cSld>
+    <p:spTree>
+      <p:nvGrpSpPr>
+        <p:cNvPr id="1" name="Shape 85"/>
+        <p:cNvGrpSpPr/>
+        <p:nvPr/>
+      </p:nvGrpSpPr>
+      <p:grpSpPr>
+        <a:xfrm>
+          <a:off x="0" y="0"/>
+          <a:ext cx="0" cy="0"/>
+          <a:chOff x="0" y="0"/>
+          <a:chExt cx="0" cy="0"/>
+        </a:xfrm>
+      </p:grpSpPr>
+      <p:sp>
+        <p:nvSpPr>
+          <p:cNvPr id="86" name="Google Shape;86;p18"/>
+          <p:cNvSpPr/>
+          <p:nvPr/>
+        </p:nvSpPr>
+        <p:spPr>
+          <a:xfrm>
+            <a:off x="0" y="0"/>
+            <a:ext cx="9144000" cy="463800"/>
+          </a:xfrm>
+          <a:prstGeom prst="rect">
+            <a:avLst/>
+          </a:prstGeom>
+          <a:solidFill>
+            <a:srgbClr val="73174C"/>
+          </a:solidFill>
+          <a:ln>
+            <a:noFill/>
+          </a:ln>
+        </p:spPr>
+        <p:txBody>
+          <a:bodyPr spcFirstLastPara="1" wrap="square" lIns="91425" tIns="91425" rIns="91425" bIns="91425" anchor="ctr" anchorCtr="0">
+            <a:noAutofit/>
+          </a:bodyPr>
+          <a:lstStyle/>
+          <a:p>
+            <a:pPr marL="0" lvl="0" indent="0" algn="l" rtl="0">
+              <a:spcBef>
+                <a:spcPts val="0"/>
+              </a:spcBef>
+              <a:spcAft>
+                <a:spcPts val="0"/>
+              </a:spcAft>
+              <a:buClr>
+                <a:schemeClr val="dk1"/>
+              </a:buClr>
+              <a:buSzPts val="1100"/>
+              <a:buFont typeface="Arial"/>
+              <a:buNone/>
             </a:pPr>
             <a:r>
-              <a:rPr lang="en" sz="1500">
-                <a:solidFill>
-                  <a:srgbClr val="2B2B2B"/>
-                </a:solidFill>
-                <a:latin typeface="Roboto"/>
-                <a:ea typeface="Roboto"/>
-                <a:cs typeface="Roboto"/>
-                <a:sym typeface="Roboto"/>
+              <a:rPr lang="en" sz="2500" b="1" dirty="0">
+                <a:solidFill>
+                  <a:schemeClr val="bg1"/>
+                </a:solidFill>
+                <a:latin typeface="Courier New" panose="02070309020205020404" pitchFamily="49" charset="0"/>
+                <a:cs typeface="Courier New" panose="02070309020205020404" pitchFamily="49" charset="0"/>
               </a:rPr>
-              <a:t>Questions the team hopes to answer with the data</a:t>
+              <a:t>Results of the Analysis</a:t>
             </a:r>
-            <a:endParaRPr sz="1500">
+            <a:endParaRPr sz="2500" b="1" dirty="0">
               <a:solidFill>
-                <a:srgbClr val="2B2B2B"/>
+                <a:schemeClr val="bg1"/>
               </a:solidFill>
-              <a:latin typeface="Roboto"/>
-              <a:ea typeface="Roboto"/>
-              <a:cs typeface="Roboto"/>
-              <a:sym typeface="Roboto"/>
-            </a:endParaRPr>
-          </a:p>
-          <a:p>
-            <a:pPr marL="457200" lvl="0" indent="-323850" algn="l" rtl="0">
-              <a:lnSpc>
-                <a:spcPct val="150000"/>
-              </a:lnSpc>
-              <a:spcBef>
-                <a:spcPts val="0"/>
-              </a:spcBef>
-              <a:spcAft>
-                <a:spcPts val="0"/>
-              </a:spcAft>
-              <a:buClr>
-                <a:srgbClr val="2B2B2B"/>
-              </a:buClr>
-              <a:buSzPts val="1500"/>
-              <a:buFont typeface="Roboto"/>
-              <a:buChar char="●"/>
-            </a:pPr>
-            <a:r>
-              <a:rPr lang="en" sz="1500">
-                <a:solidFill>
-                  <a:srgbClr val="2B2B2B"/>
-                </a:solidFill>
-                <a:latin typeface="Roboto"/>
-                <a:ea typeface="Roboto"/>
-                <a:cs typeface="Roboto"/>
-                <a:sym typeface="Roboto"/>
-              </a:rPr>
-              <a:t>Description of the data exploration phase of the project</a:t>
-            </a:r>
-            <a:endParaRPr sz="1500">
-              <a:solidFill>
-                <a:srgbClr val="2B2B2B"/>
-              </a:solidFill>
-              <a:latin typeface="Roboto"/>
-              <a:ea typeface="Roboto"/>
-              <a:cs typeface="Roboto"/>
-              <a:sym typeface="Roboto"/>
-            </a:endParaRPr>
-          </a:p>
-          <a:p>
-            <a:pPr marL="457200" lvl="0" indent="-323850" algn="l" rtl="0">
-              <a:lnSpc>
-                <a:spcPct val="150000"/>
-              </a:lnSpc>
-              <a:spcBef>
-                <a:spcPts val="0"/>
-              </a:spcBef>
-              <a:spcAft>
-                <a:spcPts val="0"/>
-              </a:spcAft>
-              <a:buClr>
-                <a:srgbClr val="2B2B2B"/>
-              </a:buClr>
-              <a:buSzPts val="1500"/>
-              <a:buFont typeface="Roboto"/>
-              <a:buChar char="●"/>
-            </a:pPr>
-            <a:r>
-              <a:rPr lang="en" sz="1500">
-                <a:solidFill>
-                  <a:srgbClr val="2B2B2B"/>
-                </a:solidFill>
-                <a:latin typeface="Roboto"/>
-                <a:ea typeface="Roboto"/>
-                <a:cs typeface="Roboto"/>
-                <a:sym typeface="Roboto"/>
-              </a:rPr>
-              <a:t>Description of the analysis phase of the project</a:t>
-            </a:r>
-            <a:endParaRPr sz="1500">
-              <a:solidFill>
-                <a:srgbClr val="2B2B2B"/>
-              </a:solidFill>
-              <a:latin typeface="Roboto"/>
-              <a:ea typeface="Roboto"/>
-              <a:cs typeface="Roboto"/>
-              <a:sym typeface="Roboto"/>
+              <a:latin typeface="Courier New" panose="02070309020205020404" pitchFamily="49" charset="0"/>
+              <a:cs typeface="Courier New" panose="02070309020205020404" pitchFamily="49" charset="0"/>
             </a:endParaRPr>
           </a:p>
         </p:txBody>
       </p:sp>
       <p:sp>
         <p:nvSpPr>
-          <p:cNvPr id="102" name="Google Shape;102;p20"/>
+          <p:cNvPr id="88" name="Google Shape;88;p18"/>
           <p:cNvSpPr txBox="1">
             <a:spLocks noGrp="1"/>
           </p:cNvSpPr>
           <p:nvPr>
-            <p:ph type="title"/>
+            <p:ph type="body" idx="4294967295"/>
           </p:nvPr>
         </p:nvSpPr>
         <p:spPr>
           <a:xfrm>
-            <a:off x="311700" y="445025"/>
-            <a:ext cx="8520600" cy="572700"/>
+            <a:off x="337456" y="754693"/>
+            <a:ext cx="8469087" cy="3416400"/>
           </a:xfrm>
           <a:prstGeom prst="rect">
             <a:avLst/>
@@ -9266,28 +8773,257 @@
         </p:spPr>
         <p:txBody>
           <a:bodyPr spcFirstLastPara="1" wrap="square" lIns="91425" tIns="91425" rIns="91425" bIns="91425" anchor="t" anchorCtr="0">
-            <a:normAutofit fontScale="90000"/>
+            <a:normAutofit fontScale="92500" lnSpcReduction="10000"/>
           </a:bodyPr>
           <a:lstStyle/>
           <a:p>
-            <a:pPr marL="0" lvl="0" indent="0" algn="l" rtl="0">
-              <a:spcBef>
-                <a:spcPts val="0"/>
-              </a:spcBef>
-              <a:spcAft>
-                <a:spcPts val="0"/>
-              </a:spcAft>
-              <a:buNone/>
+            <a:pPr marL="457200" lvl="0" indent="-330200" algn="l" rtl="0">
+              <a:spcBef>
+                <a:spcPts val="1200"/>
+              </a:spcBef>
+              <a:spcAft>
+                <a:spcPts val="0"/>
+              </a:spcAft>
+              <a:buClr>
+                <a:schemeClr val="dk1"/>
+              </a:buClr>
+              <a:buSzPts val="1600"/>
+              <a:buChar char="❖"/>
             </a:pPr>
             <a:r>
-              <a:rPr lang="en"/>
-              <a:t>Rubric Outline (Segment II)</a:t>
+              <a:rPr lang="en" sz="1400" b="1" dirty="0">
+                <a:solidFill>
+                  <a:schemeClr val="dk1"/>
+                </a:solidFill>
+              </a:rPr>
+              <a:t>Overview: </a:t>
             </a:r>
-            <a:endParaRPr/>
+            <a:r>
+              <a:rPr lang="en" sz="1400" dirty="0">
+                <a:solidFill>
+                  <a:schemeClr val="dk1"/>
+                </a:solidFill>
+              </a:rPr>
+              <a:t>We performed a machine learning model using logistic regression to predict the quality scores of red and white wine based on 11 characterstics, such as </a:t>
+            </a:r>
+            <a:r>
+              <a:rPr lang="en" sz="1400" i="1" dirty="0">
+                <a:solidFill>
+                  <a:schemeClr val="dk1"/>
+                </a:solidFill>
+              </a:rPr>
+              <a:t>fixed acidity, citric acid, alcohol, sulfure dioxide</a:t>
+            </a:r>
+            <a:r>
+              <a:rPr lang="en" sz="1400" dirty="0">
+                <a:solidFill>
+                  <a:schemeClr val="dk1"/>
+                </a:solidFill>
+              </a:rPr>
+              <a:t>. </a:t>
+            </a:r>
+            <a:endParaRPr lang="en" sz="1400" b="1" dirty="0">
+              <a:solidFill>
+                <a:schemeClr val="dk1"/>
+              </a:solidFill>
+            </a:endParaRPr>
+          </a:p>
+          <a:p>
+            <a:pPr marL="457200" lvl="0" indent="-330200" algn="l" rtl="0">
+              <a:spcBef>
+                <a:spcPts val="1200"/>
+              </a:spcBef>
+              <a:spcAft>
+                <a:spcPts val="0"/>
+              </a:spcAft>
+              <a:buClr>
+                <a:schemeClr val="dk1"/>
+              </a:buClr>
+              <a:buSzPts val="1600"/>
+              <a:buChar char="❖"/>
+            </a:pPr>
+            <a:r>
+              <a:rPr lang="en" sz="1400" b="1" dirty="0">
+                <a:solidFill>
+                  <a:schemeClr val="dk1"/>
+                </a:solidFill>
+              </a:rPr>
+              <a:t>Analysis: </a:t>
+            </a:r>
+            <a:r>
+              <a:rPr lang="en" sz="1400" dirty="0">
+                <a:solidFill>
+                  <a:schemeClr val="dk1"/>
+                </a:solidFill>
+              </a:rPr>
+              <a:t>T</a:t>
+            </a:r>
+            <a:r>
+              <a:rPr lang="en-US" sz="1400" dirty="0">
+                <a:solidFill>
+                  <a:schemeClr val="dk1"/>
+                </a:solidFill>
+              </a:rPr>
+              <a:t>he</a:t>
+            </a:r>
+            <a:r>
+              <a:rPr lang="en" sz="1400" dirty="0">
+                <a:solidFill>
+                  <a:schemeClr val="dk1"/>
+                </a:solidFill>
+              </a:rPr>
+              <a:t> result of our analysis based off the logistic regression model provided us with outcomes of quality scores. Our model prediction accuracy came out to be 0.54, which was a bit lower than what we expected. However, based on this accuracy score we can assume that the features within the dataset do not contribute greatly to the quality of wine. </a:t>
+            </a:r>
+          </a:p>
+          <a:p>
+            <a:pPr marL="127000" lvl="0" indent="0" algn="l" rtl="0">
+              <a:spcBef>
+                <a:spcPts val="1200"/>
+              </a:spcBef>
+              <a:spcAft>
+                <a:spcPts val="0"/>
+              </a:spcAft>
+              <a:buClr>
+                <a:schemeClr val="dk1"/>
+              </a:buClr>
+              <a:buSzPts val="1600"/>
+              <a:buNone/>
+            </a:pPr>
+            <a:endParaRPr lang="en" sz="1400" dirty="0">
+              <a:solidFill>
+                <a:schemeClr val="dk1"/>
+              </a:solidFill>
+            </a:endParaRPr>
+          </a:p>
+          <a:p>
+            <a:pPr marL="457200" lvl="0" indent="-330200" algn="l" rtl="0">
+              <a:spcBef>
+                <a:spcPts val="1200"/>
+              </a:spcBef>
+              <a:spcAft>
+                <a:spcPts val="0"/>
+              </a:spcAft>
+              <a:buClr>
+                <a:schemeClr val="dk1"/>
+              </a:buClr>
+              <a:buSzPts val="1600"/>
+              <a:buChar char="❖"/>
+            </a:pPr>
+            <a:endParaRPr lang="en" sz="1400" b="1" dirty="0">
+              <a:solidFill>
+                <a:schemeClr val="dk1"/>
+              </a:solidFill>
+            </a:endParaRPr>
+          </a:p>
+          <a:p>
+            <a:pPr marL="457200" lvl="0" indent="-330200" algn="l" rtl="0">
+              <a:spcBef>
+                <a:spcPts val="1200"/>
+              </a:spcBef>
+              <a:spcAft>
+                <a:spcPts val="0"/>
+              </a:spcAft>
+              <a:buClr>
+                <a:schemeClr val="dk1"/>
+              </a:buClr>
+              <a:buSzPts val="1600"/>
+              <a:buChar char="❖"/>
+            </a:pPr>
+            <a:endParaRPr lang="en" sz="1400" b="1" dirty="0">
+              <a:solidFill>
+                <a:schemeClr val="dk1"/>
+              </a:solidFill>
+            </a:endParaRPr>
+          </a:p>
+          <a:p>
+            <a:pPr marL="457200" lvl="0" indent="-330200" algn="l" rtl="0">
+              <a:spcBef>
+                <a:spcPts val="1200"/>
+              </a:spcBef>
+              <a:spcAft>
+                <a:spcPts val="0"/>
+              </a:spcAft>
+              <a:buClr>
+                <a:schemeClr val="dk1"/>
+              </a:buClr>
+              <a:buSzPts val="1600"/>
+              <a:buChar char="❖"/>
+            </a:pPr>
+            <a:r>
+              <a:rPr lang="en" sz="1400" b="1" dirty="0">
+                <a:solidFill>
+                  <a:schemeClr val="dk1"/>
+                </a:solidFill>
+              </a:rPr>
+              <a:t>Recommendation for Future Analysis: </a:t>
+            </a:r>
+            <a:r>
+              <a:rPr lang="en" sz="1400" dirty="0">
+                <a:solidFill>
+                  <a:schemeClr val="dk1"/>
+                </a:solidFill>
+              </a:rPr>
+              <a:t>Using SciKit Learns RandomForestRegressor as another model to potentially get a better accuracy score.</a:t>
+            </a:r>
+          </a:p>
+          <a:p>
+            <a:pPr marL="127000" lvl="0" indent="0" algn="l" rtl="0">
+              <a:spcBef>
+                <a:spcPts val="1200"/>
+              </a:spcBef>
+              <a:spcAft>
+                <a:spcPts val="0"/>
+              </a:spcAft>
+              <a:buClr>
+                <a:schemeClr val="dk1"/>
+              </a:buClr>
+              <a:buSzPts val="1600"/>
+              <a:buNone/>
+            </a:pPr>
+            <a:endParaRPr sz="1400" dirty="0">
+              <a:solidFill>
+                <a:schemeClr val="dk1"/>
+              </a:solidFill>
+            </a:endParaRPr>
           </a:p>
         </p:txBody>
       </p:sp>
+      <p:pic>
+        <p:nvPicPr>
+          <p:cNvPr id="3" name="Picture 2">
+            <a:extLst>
+              <a:ext uri="{FF2B5EF4-FFF2-40B4-BE49-F238E27FC236}">
+                <a16:creationId xmlns:a16="http://schemas.microsoft.com/office/drawing/2014/main" id="{3341F8EF-A73A-4AEE-A823-6E513397B9DE}"/>
+              </a:ext>
+            </a:extLst>
+          </p:cNvPr>
+          <p:cNvPicPr>
+            <a:picLocks noChangeAspect="1"/>
+          </p:cNvPicPr>
+          <p:nvPr/>
+        </p:nvPicPr>
+        <p:blipFill>
+          <a:blip r:embed="rId3"/>
+          <a:stretch>
+            <a:fillRect/>
+          </a:stretch>
+        </p:blipFill>
+        <p:spPr>
+          <a:xfrm>
+            <a:off x="1984917" y="2571750"/>
+            <a:ext cx="5174166" cy="997430"/>
+          </a:xfrm>
+          <a:prstGeom prst="rect">
+            <a:avLst/>
+          </a:prstGeom>
+        </p:spPr>
+      </p:pic>
     </p:spTree>
+    <p:extLst>
+      <p:ext uri="{BB962C8B-B14F-4D97-AF65-F5344CB8AC3E}">
+        <p14:creationId xmlns:p14="http://schemas.microsoft.com/office/powerpoint/2010/main" val="1183709804"/>
+      </p:ext>
+    </p:extLst>
   </p:cSld>
   <p:clrMapOvr>
     <a:masterClrMapping/>
